--- a/doc/deliverables/presentation-1/WISPresentatie.pptx
+++ b/doc/deliverables/presentation-1/WISPresentatie.pptx
@@ -7,39 +7,38 @@
   <p:sldIdLst>
     <p:sldId id="289" r:id="rId2"/>
     <p:sldId id="291" r:id="rId3"/>
-    <p:sldId id="290" r:id="rId4"/>
-    <p:sldId id="256" r:id="rId5"/>
-    <p:sldId id="273" r:id="rId6"/>
-    <p:sldId id="270" r:id="rId7"/>
-    <p:sldId id="257" r:id="rId8"/>
-    <p:sldId id="258" r:id="rId9"/>
-    <p:sldId id="268" r:id="rId10"/>
-    <p:sldId id="271" r:id="rId11"/>
-    <p:sldId id="274" r:id="rId12"/>
-    <p:sldId id="259" r:id="rId13"/>
-    <p:sldId id="260" r:id="rId14"/>
-    <p:sldId id="261" r:id="rId15"/>
-    <p:sldId id="262" r:id="rId16"/>
-    <p:sldId id="263" r:id="rId17"/>
-    <p:sldId id="264" r:id="rId18"/>
-    <p:sldId id="266" r:id="rId19"/>
-    <p:sldId id="279" r:id="rId20"/>
-    <p:sldId id="267" r:id="rId21"/>
-    <p:sldId id="269" r:id="rId22"/>
-    <p:sldId id="272" r:id="rId23"/>
-    <p:sldId id="275" r:id="rId24"/>
-    <p:sldId id="280" r:id="rId25"/>
-    <p:sldId id="281" r:id="rId26"/>
-    <p:sldId id="282" r:id="rId27"/>
-    <p:sldId id="283" r:id="rId28"/>
-    <p:sldId id="285" r:id="rId29"/>
-    <p:sldId id="284" r:id="rId30"/>
-    <p:sldId id="286" r:id="rId31"/>
-    <p:sldId id="287" r:id="rId32"/>
-    <p:sldId id="288" r:id="rId33"/>
-    <p:sldId id="278" r:id="rId34"/>
-    <p:sldId id="276" r:id="rId35"/>
-    <p:sldId id="277" r:id="rId36"/>
+    <p:sldId id="256" r:id="rId4"/>
+    <p:sldId id="273" r:id="rId5"/>
+    <p:sldId id="270" r:id="rId6"/>
+    <p:sldId id="257" r:id="rId7"/>
+    <p:sldId id="258" r:id="rId8"/>
+    <p:sldId id="268" r:id="rId9"/>
+    <p:sldId id="271" r:id="rId10"/>
+    <p:sldId id="274" r:id="rId11"/>
+    <p:sldId id="259" r:id="rId12"/>
+    <p:sldId id="260" r:id="rId13"/>
+    <p:sldId id="261" r:id="rId14"/>
+    <p:sldId id="262" r:id="rId15"/>
+    <p:sldId id="263" r:id="rId16"/>
+    <p:sldId id="264" r:id="rId17"/>
+    <p:sldId id="266" r:id="rId18"/>
+    <p:sldId id="279" r:id="rId19"/>
+    <p:sldId id="267" r:id="rId20"/>
+    <p:sldId id="269" r:id="rId21"/>
+    <p:sldId id="272" r:id="rId22"/>
+    <p:sldId id="275" r:id="rId23"/>
+    <p:sldId id="280" r:id="rId24"/>
+    <p:sldId id="281" r:id="rId25"/>
+    <p:sldId id="282" r:id="rId26"/>
+    <p:sldId id="283" r:id="rId27"/>
+    <p:sldId id="285" r:id="rId28"/>
+    <p:sldId id="284" r:id="rId29"/>
+    <p:sldId id="286" r:id="rId30"/>
+    <p:sldId id="287" r:id="rId31"/>
+    <p:sldId id="288" r:id="rId32"/>
+    <p:sldId id="278" r:id="rId33"/>
+    <p:sldId id="276" r:id="rId34"/>
+    <p:sldId id="277" r:id="rId35"/>
   </p:sldIdLst>
   <p:sldSz cx="9144000" cy="6858000" type="screen4x3"/>
   <p:notesSz cx="6858000" cy="9144000"/>
@@ -3271,6 +3270,13 @@
   <p:clrMapOvr>
     <a:masterClrMapping/>
   </p:clrMapOvr>
+  <p:timing>
+    <p:tnLst>
+      <p:par>
+        <p:cTn xmlns:p14="http://schemas.microsoft.com/office/powerpoint/2010/main" id="1" dur="indefinite" restart="never" nodeType="tmRoot"/>
+      </p:par>
+    </p:tnLst>
+  </p:timing>
 </p:sld>
 </file>
 
@@ -3318,14 +3324,101 @@
       </p:pic>
       <p:sp>
         <p:nvSpPr>
-          <p:cNvPr id="16" name="TextBox 15"/>
+          <p:cNvPr id="5" name="Rectangle 4"/>
+          <p:cNvSpPr/>
+          <p:nvPr/>
+        </p:nvSpPr>
+        <p:spPr>
+          <a:xfrm>
+            <a:off x="1156615" y="2073591"/>
+            <a:ext cx="2727399" cy="797521"/>
+          </a:xfrm>
+          <a:prstGeom prst="rect">
+            <a:avLst/>
+          </a:prstGeom>
+          <a:solidFill>
+            <a:srgbClr val="FF0000">
+              <a:alpha val="0"/>
+            </a:srgbClr>
+          </a:solidFill>
+          <a:ln>
+            <a:solidFill>
+              <a:srgbClr val="FF0000"/>
+            </a:solidFill>
+          </a:ln>
+        </p:spPr>
+        <p:style>
+          <a:lnRef idx="1">
+            <a:schemeClr val="accent1"/>
+          </a:lnRef>
+          <a:fillRef idx="3">
+            <a:schemeClr val="accent1"/>
+          </a:fillRef>
+          <a:effectRef idx="2">
+            <a:schemeClr val="accent1"/>
+          </a:effectRef>
+          <a:fontRef idx="minor">
+            <a:schemeClr val="lt1"/>
+          </a:fontRef>
+        </p:style>
+        <p:txBody>
+          <a:bodyPr rtlCol="0" anchor="ctr"/>
+          <a:lstStyle/>
+          <a:p>
+            <a:pPr algn="ctr"/>
+            <a:endParaRPr lang="en-US"/>
+          </a:p>
+        </p:txBody>
+      </p:sp>
+      <p:cxnSp>
+        <p:nvCxnSpPr>
+          <p:cNvPr id="6" name="Straight Arrow Connector 5"/>
+          <p:cNvCxnSpPr>
+            <a:stCxn id="5" idx="0"/>
+            <a:endCxn id="7" idx="3"/>
+          </p:cNvCxnSpPr>
+          <p:nvPr/>
+        </p:nvCxnSpPr>
+        <p:spPr>
+          <a:xfrm flipH="1" flipV="1">
+            <a:off x="2446453" y="1018629"/>
+            <a:ext cx="73862" cy="1054962"/>
+          </a:xfrm>
+          <a:prstGeom prst="straightConnector1">
+            <a:avLst/>
+          </a:prstGeom>
+          <a:ln>
+            <a:solidFill>
+              <a:srgbClr val="FF0000"/>
+            </a:solidFill>
+            <a:tailEnd type="arrow"/>
+          </a:ln>
+        </p:spPr>
+        <p:style>
+          <a:lnRef idx="2">
+            <a:schemeClr val="accent1"/>
+          </a:lnRef>
+          <a:fillRef idx="0">
+            <a:schemeClr val="accent1"/>
+          </a:fillRef>
+          <a:effectRef idx="1">
+            <a:schemeClr val="accent1"/>
+          </a:effectRef>
+          <a:fontRef idx="minor">
+            <a:schemeClr val="tx1"/>
+          </a:fontRef>
+        </p:style>
+      </p:cxnSp>
+      <p:sp>
+        <p:nvSpPr>
+          <p:cNvPr id="7" name="TextBox 6"/>
           <p:cNvSpPr txBox="1"/>
           <p:nvPr/>
         </p:nvSpPr>
         <p:spPr>
           <a:xfrm>
-            <a:off x="699492" y="6350194"/>
-            <a:ext cx="2650702" cy="369332"/>
+            <a:off x="223962" y="833963"/>
+            <a:ext cx="2222491" cy="369332"/>
           </a:xfrm>
           <a:prstGeom prst="rect">
             <a:avLst/>
@@ -3343,53 +3436,43 @@
           </a:bodyPr>
           <a:lstStyle/>
           <a:p>
-            <a:r>
-              <a:rPr lang="en-US" dirty="0" smtClean="0"/>
-              <a:t>URL: /beers/</a:t>
+            <a:pPr algn="ctr"/>
+            <a:r>
+              <a:rPr lang="en-US" dirty="0" err="1" smtClean="0"/>
+              <a:t>Autocompletion</a:t>
             </a:r>
             <a:endParaRPr lang="en-US" dirty="0"/>
           </a:p>
         </p:txBody>
       </p:sp>
-      <p:sp>
-        <p:nvSpPr>
-          <p:cNvPr id="4" name="TextBox 3"/>
-          <p:cNvSpPr txBox="1"/>
-          <p:nvPr/>
-        </p:nvSpPr>
-        <p:spPr>
-          <a:xfrm>
-            <a:off x="4100945" y="6179965"/>
-            <a:ext cx="4433455" cy="369332"/>
-          </a:xfrm>
-          <a:prstGeom prst="rect">
-            <a:avLst/>
-          </a:prstGeom>
-          <a:noFill/>
-          <a:ln>
-            <a:solidFill>
-              <a:schemeClr val="tx1"/>
-            </a:solidFill>
-          </a:ln>
-        </p:spPr>
-        <p:txBody>
-          <a:bodyPr wrap="square" rtlCol="0">
-            <a:spAutoFit/>
-          </a:bodyPr>
-          <a:lstStyle/>
-          <a:p>
-            <a:r>
-              <a:rPr lang="en-US" dirty="0" smtClean="0"/>
-              <a:t>Adding beers will also be possible here</a:t>
-            </a:r>
-            <a:endParaRPr lang="en-US" dirty="0"/>
-          </a:p>
-        </p:txBody>
-      </p:sp>
+      <p:pic>
+        <p:nvPicPr>
+          <p:cNvPr id="8" name="Picture 7"/>
+          <p:cNvPicPr>
+            <a:picLocks noChangeAspect="1"/>
+          </p:cNvPicPr>
+          <p:nvPr/>
+        </p:nvPicPr>
+        <p:blipFill>
+          <a:blip r:embed="rId3"/>
+          <a:stretch>
+            <a:fillRect/>
+          </a:stretch>
+        </p:blipFill>
+        <p:spPr>
+          <a:xfrm>
+            <a:off x="4611309" y="2571013"/>
+            <a:ext cx="878798" cy="112930"/>
+          </a:xfrm>
+          <a:prstGeom prst="rect">
+            <a:avLst/>
+          </a:prstGeom>
+        </p:spPr>
+      </p:pic>
     </p:spTree>
     <p:extLst>
       <p:ext uri="{BB962C8B-B14F-4D97-AF65-F5344CB8AC3E}">
-        <p14:creationId xmlns:p14="http://schemas.microsoft.com/office/powerpoint/2010/main" val="3941878591"/>
+        <p14:creationId xmlns:p14="http://schemas.microsoft.com/office/powerpoint/2010/main" val="1978649695"/>
       </p:ext>
     </p:extLst>
   </p:cSld>
@@ -3423,15 +3506,88 @@
           <a:chExt cx="0" cy="0"/>
         </a:xfrm>
       </p:grpSpPr>
+      <p:cxnSp>
+        <p:nvCxnSpPr>
+          <p:cNvPr id="7" name="Straight Arrow Connector 6"/>
+          <p:cNvCxnSpPr/>
+          <p:nvPr/>
+        </p:nvCxnSpPr>
+        <p:spPr>
+          <a:xfrm>
+            <a:off x="4887231" y="5638800"/>
+            <a:ext cx="561433" cy="526728"/>
+          </a:xfrm>
+          <a:prstGeom prst="straightConnector1">
+            <a:avLst/>
+          </a:prstGeom>
+          <a:ln>
+            <a:solidFill>
+              <a:srgbClr val="FF0000"/>
+            </a:solidFill>
+            <a:tailEnd type="arrow"/>
+          </a:ln>
+        </p:spPr>
+        <p:style>
+          <a:lnRef idx="2">
+            <a:schemeClr val="accent1"/>
+          </a:lnRef>
+          <a:fillRef idx="0">
+            <a:schemeClr val="accent1"/>
+          </a:fillRef>
+          <a:effectRef idx="1">
+            <a:schemeClr val="accent1"/>
+          </a:effectRef>
+          <a:fontRef idx="minor">
+            <a:schemeClr val="tx1"/>
+          </a:fontRef>
+        </p:style>
+      </p:cxnSp>
+      <p:sp>
+        <p:nvSpPr>
+          <p:cNvPr id="9" name="TextBox 8"/>
+          <p:cNvSpPr txBox="1"/>
+          <p:nvPr/>
+        </p:nvSpPr>
+        <p:spPr>
+          <a:xfrm>
+            <a:off x="6240194" y="6165528"/>
+            <a:ext cx="2650702" cy="369332"/>
+          </a:xfrm>
+          <a:prstGeom prst="rect">
+            <a:avLst/>
+          </a:prstGeom>
+          <a:noFill/>
+          <a:ln>
+            <a:solidFill>
+              <a:schemeClr val="tx1"/>
+            </a:solidFill>
+          </a:ln>
+        </p:spPr>
+        <p:txBody>
+          <a:bodyPr wrap="square" rtlCol="0">
+            <a:spAutoFit/>
+          </a:bodyPr>
+          <a:lstStyle/>
+          <a:p>
+            <a:r>
+              <a:rPr lang="en-US" dirty="0" smtClean="0"/>
+              <a:t>URL: /beers/</a:t>
+            </a:r>
+            <a:r>
+              <a:rPr lang="en-US" dirty="0" err="1" smtClean="0"/>
+              <a:t>duvel</a:t>
+            </a:r>
+            <a:endParaRPr lang="en-US" dirty="0"/>
+          </a:p>
+        </p:txBody>
+      </p:sp>
       <p:pic>
         <p:nvPicPr>
-          <p:cNvPr id="12" name="Content Placeholder 11" descr="select-beer-page.gif"/>
+          <p:cNvPr id="2" name="Picture 1" descr="beer-page.gif"/>
           <p:cNvPicPr>
-            <a:picLocks noGrp="1" noChangeAspect="1"/>
+            <a:picLocks noChangeAspect="1"/>
           </p:cNvPicPr>
-          <p:nvPr>
-            <p:ph idx="1"/>
-          </p:nvPr>
+          <p:nvPr/>
         </p:nvPicPr>
         <p:blipFill>
           <a:blip r:embed="rId2">
@@ -3441,154 +3597,14 @@
               </a:ext>
             </a:extLst>
           </a:blip>
-          <a:srcRect l="2635" r="2635"/>
           <a:stretch>
             <a:fillRect/>
           </a:stretch>
         </p:blipFill>
-        <p:spPr/>
-      </p:pic>
-      <p:sp>
-        <p:nvSpPr>
-          <p:cNvPr id="5" name="Rectangle 4"/>
-          <p:cNvSpPr/>
-          <p:nvPr/>
-        </p:nvSpPr>
-        <p:spPr>
-          <a:xfrm>
-            <a:off x="1156615" y="2073591"/>
-            <a:ext cx="2727399" cy="797521"/>
-          </a:xfrm>
-          <a:prstGeom prst="rect">
-            <a:avLst/>
-          </a:prstGeom>
-          <a:solidFill>
-            <a:srgbClr val="FF0000">
-              <a:alpha val="0"/>
-            </a:srgbClr>
-          </a:solidFill>
-          <a:ln>
-            <a:solidFill>
-              <a:srgbClr val="FF0000"/>
-            </a:solidFill>
-          </a:ln>
-        </p:spPr>
-        <p:style>
-          <a:lnRef idx="1">
-            <a:schemeClr val="accent1"/>
-          </a:lnRef>
-          <a:fillRef idx="3">
-            <a:schemeClr val="accent1"/>
-          </a:fillRef>
-          <a:effectRef idx="2">
-            <a:schemeClr val="accent1"/>
-          </a:effectRef>
-          <a:fontRef idx="minor">
-            <a:schemeClr val="lt1"/>
-          </a:fontRef>
-        </p:style>
-        <p:txBody>
-          <a:bodyPr rtlCol="0" anchor="ctr"/>
-          <a:lstStyle/>
-          <a:p>
-            <a:pPr algn="ctr"/>
-            <a:endParaRPr lang="en-US"/>
-          </a:p>
-        </p:txBody>
-      </p:sp>
-      <p:cxnSp>
-        <p:nvCxnSpPr>
-          <p:cNvPr id="6" name="Straight Arrow Connector 5"/>
-          <p:cNvCxnSpPr>
-            <a:stCxn id="5" idx="0"/>
-            <a:endCxn id="7" idx="3"/>
-          </p:cNvCxnSpPr>
-          <p:nvPr/>
-        </p:nvCxnSpPr>
-        <p:spPr>
-          <a:xfrm flipH="1" flipV="1">
-            <a:off x="2446453" y="1018629"/>
-            <a:ext cx="73862" cy="1054962"/>
-          </a:xfrm>
-          <a:prstGeom prst="straightConnector1">
-            <a:avLst/>
-          </a:prstGeom>
-          <a:ln>
-            <a:solidFill>
-              <a:srgbClr val="FF0000"/>
-            </a:solidFill>
-            <a:tailEnd type="arrow"/>
-          </a:ln>
-        </p:spPr>
-        <p:style>
-          <a:lnRef idx="2">
-            <a:schemeClr val="accent1"/>
-          </a:lnRef>
-          <a:fillRef idx="0">
-            <a:schemeClr val="accent1"/>
-          </a:fillRef>
-          <a:effectRef idx="1">
-            <a:schemeClr val="accent1"/>
-          </a:effectRef>
-          <a:fontRef idx="minor">
-            <a:schemeClr val="tx1"/>
-          </a:fontRef>
-        </p:style>
-      </p:cxnSp>
-      <p:sp>
-        <p:nvSpPr>
-          <p:cNvPr id="7" name="TextBox 6"/>
-          <p:cNvSpPr txBox="1"/>
-          <p:nvPr/>
-        </p:nvSpPr>
-        <p:spPr>
-          <a:xfrm>
-            <a:off x="223962" y="833963"/>
-            <a:ext cx="2222491" cy="369332"/>
-          </a:xfrm>
-          <a:prstGeom prst="rect">
-            <a:avLst/>
-          </a:prstGeom>
-          <a:noFill/>
-          <a:ln>
-            <a:solidFill>
-              <a:schemeClr val="tx1"/>
-            </a:solidFill>
-          </a:ln>
-        </p:spPr>
-        <p:txBody>
-          <a:bodyPr wrap="square" rtlCol="0">
-            <a:spAutoFit/>
-          </a:bodyPr>
-          <a:lstStyle/>
-          <a:p>
-            <a:pPr algn="ctr"/>
-            <a:r>
-              <a:rPr lang="en-US" dirty="0" err="1" smtClean="0"/>
-              <a:t>Autocompletion</a:t>
-            </a:r>
-            <a:endParaRPr lang="en-US" dirty="0"/>
-          </a:p>
-        </p:txBody>
-      </p:sp>
-      <p:pic>
-        <p:nvPicPr>
-          <p:cNvPr id="8" name="Picture 7"/>
-          <p:cNvPicPr>
-            <a:picLocks noChangeAspect="1"/>
-          </p:cNvPicPr>
-          <p:nvPr/>
-        </p:nvPicPr>
-        <p:blipFill>
-          <a:blip r:embed="rId3"/>
-          <a:stretch>
-            <a:fillRect/>
-          </a:stretch>
-        </p:blipFill>
-        <p:spPr>
-          <a:xfrm>
-            <a:off x="4611309" y="2571013"/>
-            <a:ext cx="878798" cy="112930"/>
+        <p:spPr>
+          <a:xfrm>
+            <a:off x="0" y="0"/>
+            <a:ext cx="6018663" cy="6858000"/>
           </a:xfrm>
           <a:prstGeom prst="rect">
             <a:avLst/>
@@ -3598,7 +3614,7 @@
     </p:spTree>
     <p:extLst>
       <p:ext uri="{BB962C8B-B14F-4D97-AF65-F5344CB8AC3E}">
-        <p14:creationId xmlns:p14="http://schemas.microsoft.com/office/powerpoint/2010/main" val="1978649695"/>
+        <p14:creationId xmlns:p14="http://schemas.microsoft.com/office/powerpoint/2010/main" val="2323744301"/>
       </p:ext>
     </p:extLst>
   </p:cSld>
@@ -3632,84 +3648,9 @@
           <a:chExt cx="0" cy="0"/>
         </a:xfrm>
       </p:grpSpPr>
-      <p:cxnSp>
-        <p:nvCxnSpPr>
-          <p:cNvPr id="7" name="Straight Arrow Connector 6"/>
-          <p:cNvCxnSpPr/>
-          <p:nvPr/>
-        </p:nvCxnSpPr>
-        <p:spPr>
-          <a:xfrm>
-            <a:off x="4887231" y="5638800"/>
-            <a:ext cx="561433" cy="526728"/>
-          </a:xfrm>
-          <a:prstGeom prst="straightConnector1">
-            <a:avLst/>
-          </a:prstGeom>
-          <a:ln>
-            <a:solidFill>
-              <a:srgbClr val="FF0000"/>
-            </a:solidFill>
-            <a:tailEnd type="arrow"/>
-          </a:ln>
-        </p:spPr>
-        <p:style>
-          <a:lnRef idx="2">
-            <a:schemeClr val="accent1"/>
-          </a:lnRef>
-          <a:fillRef idx="0">
-            <a:schemeClr val="accent1"/>
-          </a:fillRef>
-          <a:effectRef idx="1">
-            <a:schemeClr val="accent1"/>
-          </a:effectRef>
-          <a:fontRef idx="minor">
-            <a:schemeClr val="tx1"/>
-          </a:fontRef>
-        </p:style>
-      </p:cxnSp>
-      <p:sp>
-        <p:nvSpPr>
-          <p:cNvPr id="9" name="TextBox 8"/>
-          <p:cNvSpPr txBox="1"/>
-          <p:nvPr/>
-        </p:nvSpPr>
-        <p:spPr>
-          <a:xfrm>
-            <a:off x="6240194" y="6165528"/>
-            <a:ext cx="2650702" cy="369332"/>
-          </a:xfrm>
-          <a:prstGeom prst="rect">
-            <a:avLst/>
-          </a:prstGeom>
-          <a:noFill/>
-          <a:ln>
-            <a:solidFill>
-              <a:schemeClr val="tx1"/>
-            </a:solidFill>
-          </a:ln>
-        </p:spPr>
-        <p:txBody>
-          <a:bodyPr wrap="square" rtlCol="0">
-            <a:spAutoFit/>
-          </a:bodyPr>
-          <a:lstStyle/>
-          <a:p>
-            <a:r>
-              <a:rPr lang="en-US" dirty="0" smtClean="0"/>
-              <a:t>URL: /beers/</a:t>
-            </a:r>
-            <a:r>
-              <a:rPr lang="en-US" dirty="0" err="1" smtClean="0"/>
-              <a:t>duvel</a:t>
-            </a:r>
-            <a:endParaRPr lang="en-US" dirty="0"/>
-          </a:p>
-        </p:txBody>
-      </p:sp>
       <p:pic>
         <p:nvPicPr>
-          <p:cNvPr id="2" name="Picture 1" descr="beer-page.gif"/>
+          <p:cNvPr id="4" name="Picture 3" descr="beer-page-1.gif"/>
           <p:cNvPicPr>
             <a:picLocks noChangeAspect="1"/>
           </p:cNvPicPr>
@@ -3729,18 +3670,230 @@
         </p:blipFill>
         <p:spPr>
           <a:xfrm>
-            <a:off x="0" y="0"/>
-            <a:ext cx="6018663" cy="6858000"/>
+            <a:off x="1090200" y="761667"/>
+            <a:ext cx="7429500" cy="4267200"/>
           </a:xfrm>
           <a:prstGeom prst="rect">
             <a:avLst/>
           </a:prstGeom>
         </p:spPr>
       </p:pic>
+      <p:sp>
+        <p:nvSpPr>
+          <p:cNvPr id="5" name="Rectangle 4"/>
+          <p:cNvSpPr/>
+          <p:nvPr/>
+        </p:nvSpPr>
+        <p:spPr>
+          <a:xfrm>
+            <a:off x="478599" y="743263"/>
+            <a:ext cx="5669556" cy="791396"/>
+          </a:xfrm>
+          <a:prstGeom prst="rect">
+            <a:avLst/>
+          </a:prstGeom>
+          <a:solidFill>
+            <a:srgbClr val="FF0000">
+              <a:alpha val="0"/>
+            </a:srgbClr>
+          </a:solidFill>
+          <a:ln>
+            <a:solidFill>
+              <a:srgbClr val="FF0000"/>
+            </a:solidFill>
+          </a:ln>
+        </p:spPr>
+        <p:style>
+          <a:lnRef idx="1">
+            <a:schemeClr val="accent1"/>
+          </a:lnRef>
+          <a:fillRef idx="3">
+            <a:schemeClr val="accent1"/>
+          </a:fillRef>
+          <a:effectRef idx="2">
+            <a:schemeClr val="accent1"/>
+          </a:effectRef>
+          <a:fontRef idx="minor">
+            <a:schemeClr val="lt1"/>
+          </a:fontRef>
+        </p:style>
+        <p:txBody>
+          <a:bodyPr rtlCol="0" anchor="ctr"/>
+          <a:lstStyle/>
+          <a:p>
+            <a:pPr algn="ctr"/>
+            <a:endParaRPr lang="en-US"/>
+          </a:p>
+        </p:txBody>
+      </p:sp>
+      <p:cxnSp>
+        <p:nvCxnSpPr>
+          <p:cNvPr id="6" name="Straight Arrow Connector 5"/>
+          <p:cNvCxnSpPr/>
+          <p:nvPr/>
+        </p:nvCxnSpPr>
+        <p:spPr>
+          <a:xfrm>
+            <a:off x="478599" y="1534659"/>
+            <a:ext cx="611601" cy="3956981"/>
+          </a:xfrm>
+          <a:prstGeom prst="straightConnector1">
+            <a:avLst/>
+          </a:prstGeom>
+          <a:ln>
+            <a:solidFill>
+              <a:srgbClr val="FF0000"/>
+            </a:solidFill>
+            <a:tailEnd type="arrow"/>
+          </a:ln>
+        </p:spPr>
+        <p:style>
+          <a:lnRef idx="2">
+            <a:schemeClr val="accent1"/>
+          </a:lnRef>
+          <a:fillRef idx="0">
+            <a:schemeClr val="accent1"/>
+          </a:fillRef>
+          <a:effectRef idx="1">
+            <a:schemeClr val="accent1"/>
+          </a:effectRef>
+          <a:fontRef idx="minor">
+            <a:schemeClr val="tx1"/>
+          </a:fontRef>
+        </p:style>
+      </p:cxnSp>
+      <p:sp>
+        <p:nvSpPr>
+          <p:cNvPr id="7" name="TextBox 6"/>
+          <p:cNvSpPr txBox="1"/>
+          <p:nvPr/>
+        </p:nvSpPr>
+        <p:spPr>
+          <a:xfrm>
+            <a:off x="478597" y="5491640"/>
+            <a:ext cx="2337773" cy="646331"/>
+          </a:xfrm>
+          <a:prstGeom prst="rect">
+            <a:avLst/>
+          </a:prstGeom>
+          <a:noFill/>
+          <a:ln>
+            <a:solidFill>
+              <a:schemeClr val="tx1"/>
+            </a:solidFill>
+          </a:ln>
+        </p:spPr>
+        <p:txBody>
+          <a:bodyPr wrap="square" rtlCol="0">
+            <a:spAutoFit/>
+          </a:bodyPr>
+          <a:lstStyle/>
+          <a:p>
+            <a:r>
+              <a:rPr lang="en-US" dirty="0" smtClean="0"/>
+              <a:t>Information collected via a </a:t>
+            </a:r>
+            <a:r>
+              <a:rPr lang="en-US" dirty="0" err="1" smtClean="0"/>
+              <a:t>webservice</a:t>
+            </a:r>
+            <a:endParaRPr lang="en-US" dirty="0" smtClean="0"/>
+          </a:p>
+        </p:txBody>
+      </p:sp>
+      <p:sp>
+        <p:nvSpPr>
+          <p:cNvPr id="13" name="Rectangle 12"/>
+          <p:cNvSpPr/>
+          <p:nvPr/>
+        </p:nvSpPr>
+        <p:spPr>
+          <a:xfrm>
+            <a:off x="6309222" y="860771"/>
+            <a:ext cx="2210478" cy="1329372"/>
+          </a:xfrm>
+          <a:prstGeom prst="rect">
+            <a:avLst/>
+          </a:prstGeom>
+          <a:solidFill>
+            <a:srgbClr val="FF0000">
+              <a:alpha val="0"/>
+            </a:srgbClr>
+          </a:solidFill>
+          <a:ln>
+            <a:solidFill>
+              <a:srgbClr val="FF0000"/>
+            </a:solidFill>
+          </a:ln>
+        </p:spPr>
+        <p:style>
+          <a:lnRef idx="1">
+            <a:schemeClr val="accent1"/>
+          </a:lnRef>
+          <a:fillRef idx="3">
+            <a:schemeClr val="accent1"/>
+          </a:fillRef>
+          <a:effectRef idx="2">
+            <a:schemeClr val="accent1"/>
+          </a:effectRef>
+          <a:fontRef idx="minor">
+            <a:schemeClr val="lt1"/>
+          </a:fontRef>
+        </p:style>
+        <p:txBody>
+          <a:bodyPr rtlCol="0" anchor="ctr"/>
+          <a:lstStyle/>
+          <a:p>
+            <a:pPr algn="ctr"/>
+            <a:endParaRPr lang="en-US"/>
+          </a:p>
+        </p:txBody>
+      </p:sp>
+      <p:cxnSp>
+        <p:nvCxnSpPr>
+          <p:cNvPr id="15" name="Elbow Connector 14"/>
+          <p:cNvCxnSpPr>
+            <a:stCxn id="13" idx="3"/>
+            <a:endCxn id="7" idx="3"/>
+          </p:cNvCxnSpPr>
+          <p:nvPr/>
+        </p:nvCxnSpPr>
+        <p:spPr>
+          <a:xfrm flipH="1">
+            <a:off x="2816370" y="1525457"/>
+            <a:ext cx="5703330" cy="4289349"/>
+          </a:xfrm>
+          <a:prstGeom prst="bentConnector3">
+            <a:avLst>
+              <a:gd name="adj1" fmla="val -4008"/>
+            </a:avLst>
+          </a:prstGeom>
+          <a:ln>
+            <a:solidFill>
+              <a:srgbClr val="FF0000"/>
+            </a:solidFill>
+            <a:tailEnd type="arrow"/>
+          </a:ln>
+        </p:spPr>
+        <p:style>
+          <a:lnRef idx="2">
+            <a:schemeClr val="accent1"/>
+          </a:lnRef>
+          <a:fillRef idx="0">
+            <a:schemeClr val="accent1"/>
+          </a:fillRef>
+          <a:effectRef idx="1">
+            <a:schemeClr val="accent1"/>
+          </a:effectRef>
+          <a:fontRef idx="minor">
+            <a:schemeClr val="tx1"/>
+          </a:fontRef>
+        </p:style>
+      </p:cxnSp>
     </p:spTree>
     <p:extLst>
       <p:ext uri="{BB962C8B-B14F-4D97-AF65-F5344CB8AC3E}">
-        <p14:creationId xmlns:p14="http://schemas.microsoft.com/office/powerpoint/2010/main" val="2323744301"/>
+        <p14:creationId xmlns:p14="http://schemas.microsoft.com/office/powerpoint/2010/main" val="3062582148"/>
       </p:ext>
     </p:extLst>
   </p:cSld>
@@ -3812,8 +3965,8 @@
         </p:nvSpPr>
         <p:spPr>
           <a:xfrm>
-            <a:off x="478599" y="743263"/>
-            <a:ext cx="5669556" cy="791396"/>
+            <a:off x="1090199" y="2337379"/>
+            <a:ext cx="4837063" cy="430386"/>
           </a:xfrm>
           <a:prstGeom prst="rect">
             <a:avLst/>
@@ -3855,13 +4008,15 @@
       <p:cxnSp>
         <p:nvCxnSpPr>
           <p:cNvPr id="6" name="Straight Arrow Connector 5"/>
-          <p:cNvCxnSpPr/>
+          <p:cNvCxnSpPr>
+            <a:stCxn id="5" idx="1"/>
+          </p:cNvCxnSpPr>
           <p:nvPr/>
         </p:nvCxnSpPr>
         <p:spPr>
-          <a:xfrm>
-            <a:off x="478599" y="1534659"/>
-            <a:ext cx="611601" cy="3956981"/>
+          <a:xfrm flipH="1">
+            <a:off x="197427" y="2552572"/>
+            <a:ext cx="892772" cy="2939068"/>
           </a:xfrm>
           <a:prstGeom prst="straightConnector1">
             <a:avLst/>
@@ -3896,8 +4051,8 @@
         </p:nvSpPr>
         <p:spPr>
           <a:xfrm>
-            <a:off x="478597" y="5491640"/>
-            <a:ext cx="2337773" cy="646331"/>
+            <a:off x="197427" y="5491640"/>
+            <a:ext cx="3631364" cy="646331"/>
           </a:xfrm>
           <a:prstGeom prst="rect">
             <a:avLst/>
@@ -3917,109 +4072,21 @@
           <a:p>
             <a:r>
               <a:rPr lang="en-US" dirty="0" smtClean="0"/>
-              <a:t>Information collected via a </a:t>
-            </a:r>
-            <a:r>
-              <a:rPr lang="en-US" dirty="0" err="1" smtClean="0"/>
-              <a:t>webservice</a:t>
-            </a:r>
-            <a:endParaRPr lang="en-US" dirty="0" smtClean="0"/>
-          </a:p>
-        </p:txBody>
-      </p:sp>
-      <p:sp>
-        <p:nvSpPr>
-          <p:cNvPr id="13" name="Rectangle 12"/>
-          <p:cNvSpPr/>
-          <p:nvPr/>
-        </p:nvSpPr>
-        <p:spPr>
-          <a:xfrm>
-            <a:off x="6309222" y="860771"/>
-            <a:ext cx="2210478" cy="1329372"/>
-          </a:xfrm>
-          <a:prstGeom prst="rect">
-            <a:avLst/>
-          </a:prstGeom>
-          <a:solidFill>
-            <a:srgbClr val="FF0000">
-              <a:alpha val="0"/>
-            </a:srgbClr>
-          </a:solidFill>
-          <a:ln>
-            <a:solidFill>
-              <a:srgbClr val="FF0000"/>
-            </a:solidFill>
-          </a:ln>
-        </p:spPr>
-        <p:style>
-          <a:lnRef idx="1">
-            <a:schemeClr val="accent1"/>
-          </a:lnRef>
-          <a:fillRef idx="3">
-            <a:schemeClr val="accent1"/>
-          </a:fillRef>
-          <a:effectRef idx="2">
-            <a:schemeClr val="accent1"/>
-          </a:effectRef>
-          <a:fontRef idx="minor">
-            <a:schemeClr val="lt1"/>
-          </a:fontRef>
-        </p:style>
-        <p:txBody>
-          <a:bodyPr rtlCol="0" anchor="ctr"/>
-          <a:lstStyle/>
-          <a:p>
-            <a:pPr algn="ctr"/>
-            <a:endParaRPr lang="en-US"/>
-          </a:p>
-        </p:txBody>
-      </p:sp>
-      <p:cxnSp>
-        <p:nvCxnSpPr>
-          <p:cNvPr id="15" name="Elbow Connector 14"/>
-          <p:cNvCxnSpPr>
-            <a:stCxn id="13" idx="3"/>
-            <a:endCxn id="7" idx="3"/>
-          </p:cNvCxnSpPr>
-          <p:nvPr/>
-        </p:nvCxnSpPr>
-        <p:spPr>
-          <a:xfrm flipH="1">
-            <a:off x="2816370" y="1525457"/>
-            <a:ext cx="5703330" cy="4289349"/>
-          </a:xfrm>
-          <a:prstGeom prst="bentConnector3">
-            <a:avLst>
-              <a:gd name="adj1" fmla="val -4008"/>
-            </a:avLst>
-          </a:prstGeom>
-          <a:ln>
-            <a:solidFill>
-              <a:srgbClr val="FF0000"/>
-            </a:solidFill>
-            <a:tailEnd type="arrow"/>
-          </a:ln>
-        </p:spPr>
-        <p:style>
-          <a:lnRef idx="2">
-            <a:schemeClr val="accent1"/>
-          </a:lnRef>
-          <a:fillRef idx="0">
-            <a:schemeClr val="accent1"/>
-          </a:fillRef>
-          <a:effectRef idx="1">
-            <a:schemeClr val="accent1"/>
-          </a:effectRef>
-          <a:fontRef idx="minor">
-            <a:schemeClr val="tx1"/>
-          </a:fontRef>
-        </p:style>
-      </p:cxnSp>
+              <a:t>Facebook like/share</a:t>
+            </a:r>
+          </a:p>
+          <a:p>
+            <a:r>
+              <a:rPr lang="en-US" dirty="0" smtClean="0"/>
+              <a:t>(via Facebook web service API)</a:t>
+            </a:r>
+          </a:p>
+        </p:txBody>
+      </p:sp>
     </p:spTree>
     <p:extLst>
       <p:ext uri="{BB962C8B-B14F-4D97-AF65-F5344CB8AC3E}">
-        <p14:creationId xmlns:p14="http://schemas.microsoft.com/office/powerpoint/2010/main" val="3062582148"/>
+        <p14:creationId xmlns:p14="http://schemas.microsoft.com/office/powerpoint/2010/main" val="3819606473"/>
       </p:ext>
     </p:extLst>
   </p:cSld>
@@ -4091,8 +4158,8 @@
         </p:nvSpPr>
         <p:spPr>
           <a:xfrm>
-            <a:off x="1090199" y="2337379"/>
-            <a:ext cx="4837063" cy="430386"/>
+            <a:off x="6092932" y="2300569"/>
+            <a:ext cx="2252861" cy="430386"/>
           </a:xfrm>
           <a:prstGeom prst="rect">
             <a:avLst/>
@@ -4141,8 +4208,8 @@
         </p:nvCxnSpPr>
         <p:spPr>
           <a:xfrm flipH="1">
-            <a:off x="197427" y="2552572"/>
-            <a:ext cx="892772" cy="2939068"/>
+            <a:off x="2615958" y="2515762"/>
+            <a:ext cx="3476974" cy="2939068"/>
           </a:xfrm>
           <a:prstGeom prst="straightConnector1">
             <a:avLst/>
@@ -4177,8 +4244,8 @@
         </p:nvSpPr>
         <p:spPr>
           <a:xfrm>
-            <a:off x="197427" y="5491640"/>
-            <a:ext cx="3631364" cy="646331"/>
+            <a:off x="1090200" y="5454830"/>
+            <a:ext cx="1537040" cy="369332"/>
           </a:xfrm>
           <a:prstGeom prst="rect">
             <a:avLst/>
@@ -4198,13 +4265,7 @@
           <a:p>
             <a:r>
               <a:rPr lang="en-US" dirty="0" smtClean="0"/>
-              <a:t>Facebook like/share</a:t>
-            </a:r>
-          </a:p>
-          <a:p>
-            <a:r>
-              <a:rPr lang="en-US" dirty="0" smtClean="0"/>
-              <a:t>(via Facebook web service API)</a:t>
+              <a:t>User favorites</a:t>
             </a:r>
           </a:p>
         </p:txBody>
@@ -4212,7 +4273,7 @@
     </p:spTree>
     <p:extLst>
       <p:ext uri="{BB962C8B-B14F-4D97-AF65-F5344CB8AC3E}">
-        <p14:creationId xmlns:p14="http://schemas.microsoft.com/office/powerpoint/2010/main" val="3819606473"/>
+        <p14:creationId xmlns:p14="http://schemas.microsoft.com/office/powerpoint/2010/main" val="660245164"/>
       </p:ext>
     </p:extLst>
   </p:cSld>
@@ -4284,8 +4345,8 @@
         </p:nvSpPr>
         <p:spPr>
           <a:xfrm>
-            <a:off x="6092932" y="2300569"/>
-            <a:ext cx="2252861" cy="430386"/>
+            <a:off x="1913942" y="2723875"/>
+            <a:ext cx="6461540" cy="865015"/>
           </a:xfrm>
           <a:prstGeom prst="rect">
             <a:avLst/>
@@ -4334,8 +4395,8 @@
         </p:nvCxnSpPr>
         <p:spPr>
           <a:xfrm flipH="1">
-            <a:off x="2615958" y="2515762"/>
-            <a:ext cx="3476974" cy="2939068"/>
+            <a:off x="1021170" y="3156383"/>
+            <a:ext cx="892772" cy="2655215"/>
           </a:xfrm>
           <a:prstGeom prst="straightConnector1">
             <a:avLst/>
@@ -4370,8 +4431,8 @@
         </p:nvSpPr>
         <p:spPr>
           <a:xfrm>
-            <a:off x="1090200" y="5454830"/>
-            <a:ext cx="1537040" cy="369332"/>
+            <a:off x="197427" y="5491640"/>
+            <a:ext cx="3631364" cy="646331"/>
           </a:xfrm>
           <a:prstGeom prst="rect">
             <a:avLst/>
@@ -4391,7 +4452,13 @@
           <a:p>
             <a:r>
               <a:rPr lang="en-US" dirty="0" smtClean="0"/>
-              <a:t>User favorites</a:t>
+              <a:t>Tags: </a:t>
+            </a:r>
+          </a:p>
+          <a:p>
+            <a:r>
+              <a:rPr lang="en-US" dirty="0" smtClean="0"/>
+              <a:t>add beer to a new or an existing tag</a:t>
             </a:r>
           </a:p>
         </p:txBody>
@@ -4399,7 +4466,7 @@
     </p:spTree>
     <p:extLst>
       <p:ext uri="{BB962C8B-B14F-4D97-AF65-F5344CB8AC3E}">
-        <p14:creationId xmlns:p14="http://schemas.microsoft.com/office/powerpoint/2010/main" val="660245164"/>
+        <p14:creationId xmlns:p14="http://schemas.microsoft.com/office/powerpoint/2010/main" val="4160897182"/>
       </p:ext>
     </p:extLst>
   </p:cSld>
@@ -4471,8 +4538,8 @@
         </p:nvSpPr>
         <p:spPr>
           <a:xfrm>
-            <a:off x="1913942" y="2723875"/>
-            <a:ext cx="6461540" cy="865015"/>
+            <a:off x="1288082" y="3901767"/>
+            <a:ext cx="7231618" cy="1127100"/>
           </a:xfrm>
           <a:prstGeom prst="rect">
             <a:avLst/>
@@ -4521,8 +4588,8 @@
         </p:nvCxnSpPr>
         <p:spPr>
           <a:xfrm flipH="1">
-            <a:off x="1021170" y="3156383"/>
-            <a:ext cx="892772" cy="2655215"/>
+            <a:off x="197427" y="4465317"/>
+            <a:ext cx="1090655" cy="1026323"/>
           </a:xfrm>
           <a:prstGeom prst="straightConnector1">
             <a:avLst/>
@@ -4557,8 +4624,8 @@
         </p:nvSpPr>
         <p:spPr>
           <a:xfrm>
-            <a:off x="197427" y="5491640"/>
-            <a:ext cx="3631364" cy="646331"/>
+            <a:off x="197427" y="5491641"/>
+            <a:ext cx="8178054" cy="646331"/>
           </a:xfrm>
           <a:prstGeom prst="rect">
             <a:avLst/>
@@ -4578,13 +4645,14 @@
           <a:p>
             <a:r>
               <a:rPr lang="en-US" dirty="0" smtClean="0"/>
-              <a:t>Tags: </a:t>
-            </a:r>
+              <a:t>A list of summarized reviews (score, first sentence of the text)</a:t>
+            </a:r>
+            <a:endParaRPr lang="en-US" dirty="0"/>
           </a:p>
           <a:p>
             <a:r>
               <a:rPr lang="en-US" dirty="0" smtClean="0"/>
-              <a:t>add beer to a new or an existing tag</a:t>
+              <a:t>Can be expanded using the “&gt;&gt;” link.</a:t>
             </a:r>
           </a:p>
         </p:txBody>
@@ -4592,7 +4660,7 @@
     </p:spTree>
     <p:extLst>
       <p:ext uri="{BB962C8B-B14F-4D97-AF65-F5344CB8AC3E}">
-        <p14:creationId xmlns:p14="http://schemas.microsoft.com/office/powerpoint/2010/main" val="4160897182"/>
+        <p14:creationId xmlns:p14="http://schemas.microsoft.com/office/powerpoint/2010/main" val="3074548430"/>
       </p:ext>
     </p:extLst>
   </p:cSld>
@@ -4626,9 +4694,43 @@
           <a:chExt cx="0" cy="0"/>
         </a:xfrm>
       </p:grpSpPr>
+      <p:sp>
+        <p:nvSpPr>
+          <p:cNvPr id="7" name="TextBox 6"/>
+          <p:cNvSpPr txBox="1"/>
+          <p:nvPr/>
+        </p:nvSpPr>
+        <p:spPr>
+          <a:xfrm>
+            <a:off x="197427" y="5491641"/>
+            <a:ext cx="8178054" cy="369332"/>
+          </a:xfrm>
+          <a:prstGeom prst="rect">
+            <a:avLst/>
+          </a:prstGeom>
+          <a:noFill/>
+          <a:ln>
+            <a:solidFill>
+              <a:schemeClr val="tx1"/>
+            </a:solidFill>
+          </a:ln>
+        </p:spPr>
+        <p:txBody>
+          <a:bodyPr wrap="square" rtlCol="0">
+            <a:spAutoFit/>
+          </a:bodyPr>
+          <a:lstStyle/>
+          <a:p>
+            <a:r>
+              <a:rPr lang="en-US" dirty="0" smtClean="0"/>
+              <a:t>Example of and expanded review (score details, full text)</a:t>
+            </a:r>
+          </a:p>
+        </p:txBody>
+      </p:sp>
       <p:pic>
         <p:nvPicPr>
-          <p:cNvPr id="4" name="Picture 3" descr="beer-page-1.gif"/>
+          <p:cNvPr id="2" name="Picture 1" descr="beer-page-2.gif"/>
           <p:cNvPicPr>
             <a:picLocks noChangeAspect="1"/>
           </p:cNvPicPr>
@@ -4648,8 +4750,8 @@
         </p:blipFill>
         <p:spPr>
           <a:xfrm>
-            <a:off x="1090200" y="761667"/>
-            <a:ext cx="7429500" cy="4267200"/>
+            <a:off x="838200" y="787067"/>
+            <a:ext cx="7454900" cy="4241800"/>
           </a:xfrm>
           <a:prstGeom prst="rect">
             <a:avLst/>
@@ -4664,8 +4766,8 @@
         </p:nvSpPr>
         <p:spPr>
           <a:xfrm>
-            <a:off x="1288082" y="3901767"/>
-            <a:ext cx="7231618" cy="1127100"/>
+            <a:off x="1035432" y="644158"/>
+            <a:ext cx="7231618" cy="2024503"/>
           </a:xfrm>
           <a:prstGeom prst="rect">
             <a:avLst/>
@@ -4714,8 +4816,8 @@
         </p:nvCxnSpPr>
         <p:spPr>
           <a:xfrm flipH="1">
-            <a:off x="197427" y="4465317"/>
-            <a:ext cx="1090655" cy="1026323"/>
+            <a:off x="423376" y="1656410"/>
+            <a:ext cx="612056" cy="3835231"/>
           </a:xfrm>
           <a:prstGeom prst="straightConnector1">
             <a:avLst/>
@@ -4742,51 +4844,10 @@
           </a:fontRef>
         </p:style>
       </p:cxnSp>
-      <p:sp>
-        <p:nvSpPr>
-          <p:cNvPr id="7" name="TextBox 6"/>
-          <p:cNvSpPr txBox="1"/>
-          <p:nvPr/>
-        </p:nvSpPr>
-        <p:spPr>
-          <a:xfrm>
-            <a:off x="197427" y="5491641"/>
-            <a:ext cx="8178054" cy="646331"/>
-          </a:xfrm>
-          <a:prstGeom prst="rect">
-            <a:avLst/>
-          </a:prstGeom>
-          <a:noFill/>
-          <a:ln>
-            <a:solidFill>
-              <a:schemeClr val="tx1"/>
-            </a:solidFill>
-          </a:ln>
-        </p:spPr>
-        <p:txBody>
-          <a:bodyPr wrap="square" rtlCol="0">
-            <a:spAutoFit/>
-          </a:bodyPr>
-          <a:lstStyle/>
-          <a:p>
-            <a:r>
-              <a:rPr lang="en-US" dirty="0" smtClean="0"/>
-              <a:t>A list of summarized reviews (score, first sentence of the text)</a:t>
-            </a:r>
-            <a:endParaRPr lang="en-US" dirty="0"/>
-          </a:p>
-          <a:p>
-            <a:r>
-              <a:rPr lang="en-US" dirty="0" smtClean="0"/>
-              <a:t>Can be expanded using the “&gt;&gt;” link.</a:t>
-            </a:r>
-          </a:p>
-        </p:txBody>
-      </p:sp>
     </p:spTree>
     <p:extLst>
       <p:ext uri="{BB962C8B-B14F-4D97-AF65-F5344CB8AC3E}">
-        <p14:creationId xmlns:p14="http://schemas.microsoft.com/office/powerpoint/2010/main" val="3074548430"/>
+        <p14:creationId xmlns:p14="http://schemas.microsoft.com/office/powerpoint/2010/main" val="3037778750"/>
       </p:ext>
     </p:extLst>
   </p:cSld>
@@ -4848,9 +4909,18 @@
           <a:lstStyle/>
           <a:p>
             <a:r>
+              <a:rPr lang="en-US" dirty="0"/>
+              <a:t>E</a:t>
+            </a:r>
+            <a:r>
               <a:rPr lang="en-US" dirty="0" smtClean="0"/>
-              <a:t>Example of and expanded review (score details, full text)</a:t>
-            </a:r>
+              <a:t>xpanded reviews can </a:t>
+            </a:r>
+            <a:r>
+              <a:rPr lang="en-US" smtClean="0"/>
+              <a:t>be commented on</a:t>
+            </a:r>
+            <a:endParaRPr lang="en-US" dirty="0" smtClean="0"/>
           </a:p>
         </p:txBody>
       </p:sp>
@@ -4892,8 +4962,8 @@
         </p:nvSpPr>
         <p:spPr>
           <a:xfrm>
-            <a:off x="1035432" y="644158"/>
-            <a:ext cx="7231618" cy="2024503"/>
+            <a:off x="1035432" y="2668661"/>
+            <a:ext cx="7231618" cy="1730029"/>
           </a:xfrm>
           <a:prstGeom prst="rect">
             <a:avLst/>
@@ -4942,8 +5012,8 @@
         </p:nvCxnSpPr>
         <p:spPr>
           <a:xfrm flipH="1">
-            <a:off x="423376" y="1656410"/>
-            <a:ext cx="612056" cy="3835231"/>
+            <a:off x="552229" y="3533676"/>
+            <a:ext cx="483203" cy="1957965"/>
           </a:xfrm>
           <a:prstGeom prst="straightConnector1">
             <a:avLst/>
@@ -4973,7 +5043,7 @@
     </p:spTree>
     <p:extLst>
       <p:ext uri="{BB962C8B-B14F-4D97-AF65-F5344CB8AC3E}">
-        <p14:creationId xmlns:p14="http://schemas.microsoft.com/office/powerpoint/2010/main" val="3037778750"/>
+        <p14:creationId xmlns:p14="http://schemas.microsoft.com/office/powerpoint/2010/main" val="2538797166"/>
       </p:ext>
     </p:extLst>
   </p:cSld>
@@ -5035,18 +5105,17 @@
           <a:lstStyle/>
           <a:p>
             <a:r>
-              <a:rPr lang="en-US" dirty="0"/>
-              <a:t>E</a:t>
-            </a:r>
-            <a:r>
               <a:rPr lang="en-US" dirty="0" smtClean="0"/>
-              <a:t>xpanded reviews can </a:t>
-            </a:r>
-            <a:r>
-              <a:rPr lang="en-US" smtClean="0"/>
-              <a:t>be commented on</a:t>
-            </a:r>
-            <a:endParaRPr lang="en-US" dirty="0" smtClean="0"/>
+              <a:t>Locate all bars where we can find “</a:t>
+            </a:r>
+            <a:r>
+              <a:rPr lang="en-US" dirty="0" err="1" smtClean="0"/>
+              <a:t>Duvel</a:t>
+            </a:r>
+            <a:r>
+              <a:rPr lang="en-US" dirty="0" smtClean="0"/>
+              <a:t>”</a:t>
+            </a:r>
           </a:p>
         </p:txBody>
       </p:sp>
@@ -5088,8 +5157,8 @@
         </p:nvSpPr>
         <p:spPr>
           <a:xfrm>
-            <a:off x="1035432" y="2668661"/>
-            <a:ext cx="7231618" cy="1730029"/>
+            <a:off x="1030828" y="4417095"/>
+            <a:ext cx="5227773" cy="611772"/>
           </a:xfrm>
           <a:prstGeom prst="rect">
             <a:avLst/>
@@ -5138,8 +5207,8 @@
         </p:nvCxnSpPr>
         <p:spPr>
           <a:xfrm flipH="1">
-            <a:off x="552229" y="3533676"/>
-            <a:ext cx="483203" cy="1957965"/>
+            <a:off x="226144" y="4722981"/>
+            <a:ext cx="804684" cy="768660"/>
           </a:xfrm>
           <a:prstGeom prst="straightConnector1">
             <a:avLst/>
@@ -5169,7 +5238,7 @@
     </p:spTree>
     <p:extLst>
       <p:ext uri="{BB962C8B-B14F-4D97-AF65-F5344CB8AC3E}">
-        <p14:creationId xmlns:p14="http://schemas.microsoft.com/office/powerpoint/2010/main" val="2538797166"/>
+        <p14:creationId xmlns:p14="http://schemas.microsoft.com/office/powerpoint/2010/main" val="822717842"/>
       </p:ext>
     </p:extLst>
   </p:cSld>
@@ -5278,6 +5347,13 @@
   <p:clrMapOvr>
     <a:masterClrMapping/>
   </p:clrMapOvr>
+  <p:timing>
+    <p:tnLst>
+      <p:par>
+        <p:cTn xmlns:p14="http://schemas.microsoft.com/office/powerpoint/2010/main" id="1" dur="indefinite" restart="never" nodeType="tmRoot"/>
+      </p:par>
+    </p:tnLst>
+  </p:timing>
 </p:sld>
 </file>
 
@@ -5298,16 +5374,52 @@
           <a:chExt cx="0" cy="0"/>
         </a:xfrm>
       </p:grpSpPr>
-      <p:sp>
-        <p:nvSpPr>
-          <p:cNvPr id="7" name="TextBox 6"/>
+      <p:cxnSp>
+        <p:nvCxnSpPr>
+          <p:cNvPr id="7" name="Straight Arrow Connector 6"/>
+          <p:cNvCxnSpPr/>
+          <p:nvPr/>
+        </p:nvCxnSpPr>
+        <p:spPr>
+          <a:xfrm>
+            <a:off x="4887231" y="5638800"/>
+            <a:ext cx="561433" cy="526728"/>
+          </a:xfrm>
+          <a:prstGeom prst="straightConnector1">
+            <a:avLst/>
+          </a:prstGeom>
+          <a:ln>
+            <a:solidFill>
+              <a:srgbClr val="FF0000"/>
+            </a:solidFill>
+            <a:tailEnd type="arrow"/>
+          </a:ln>
+        </p:spPr>
+        <p:style>
+          <a:lnRef idx="2">
+            <a:schemeClr val="accent1"/>
+          </a:lnRef>
+          <a:fillRef idx="0">
+            <a:schemeClr val="accent1"/>
+          </a:fillRef>
+          <a:effectRef idx="1">
+            <a:schemeClr val="accent1"/>
+          </a:effectRef>
+          <a:fontRef idx="minor">
+            <a:schemeClr val="tx1"/>
+          </a:fontRef>
+        </p:style>
+      </p:cxnSp>
+      <p:sp>
+        <p:nvSpPr>
+          <p:cNvPr id="9" name="TextBox 8"/>
           <p:cNvSpPr txBox="1"/>
           <p:nvPr/>
         </p:nvSpPr>
         <p:spPr>
           <a:xfrm>
-            <a:off x="197427" y="5491641"/>
-            <a:ext cx="8178054" cy="369332"/>
+            <a:off x="6515679" y="1969298"/>
+            <a:ext cx="2135925" cy="1692771"/>
           </a:xfrm>
           <a:prstGeom prst="rect">
             <a:avLst/>
@@ -5325,24 +5437,64 @@
           </a:bodyPr>
           <a:lstStyle/>
           <a:p>
-            <a:r>
-              <a:rPr lang="en-US" dirty="0" smtClean="0"/>
-              <a:t>Locate all bars where we can find “</a:t>
-            </a:r>
-            <a:r>
-              <a:rPr lang="en-US" dirty="0" err="1" smtClean="0"/>
-              <a:t>Duvel</a:t>
-            </a:r>
-            <a:r>
-              <a:rPr lang="en-US" dirty="0" smtClean="0"/>
-              <a:t>”</a:t>
-            </a:r>
+            <a:pPr marL="285750" indent="-285750">
+              <a:buFontTx/>
+              <a:buChar char="-"/>
+            </a:pPr>
+            <a:r>
+              <a:rPr lang="en-US" sz="2600" dirty="0"/>
+              <a:t>b</a:t>
+            </a:r>
+            <a:r>
+              <a:rPr lang="en-US" sz="2600" dirty="0" smtClean="0"/>
+              <a:t>eer</a:t>
+            </a:r>
+          </a:p>
+          <a:p>
+            <a:pPr marL="285750" indent="-285750">
+              <a:buFontTx/>
+              <a:buChar char="-"/>
+            </a:pPr>
+            <a:r>
+              <a:rPr lang="en-US" sz="2600" dirty="0"/>
+              <a:t>r</a:t>
+            </a:r>
+            <a:r>
+              <a:rPr lang="en-US" sz="2600" dirty="0" smtClean="0"/>
+              <a:t>ags</a:t>
+            </a:r>
+          </a:p>
+          <a:p>
+            <a:pPr marL="285750" indent="-285750">
+              <a:buFontTx/>
+              <a:buChar char="-"/>
+            </a:pPr>
+            <a:r>
+              <a:rPr lang="en-US" sz="2600" dirty="0"/>
+              <a:t>r</a:t>
+            </a:r>
+            <a:r>
+              <a:rPr lang="en-US" sz="2600" dirty="0" smtClean="0"/>
+              <a:t>eviews</a:t>
+            </a:r>
+            <a:endParaRPr lang="en-US" sz="2600" dirty="0"/>
+          </a:p>
+          <a:p>
+            <a:pPr marL="285750" indent="-285750">
+              <a:buFontTx/>
+              <a:buChar char="-"/>
+            </a:pPr>
+            <a:r>
+              <a:rPr lang="en-US" sz="2600" dirty="0" smtClean="0"/>
+              <a:t>comments</a:t>
+            </a:r>
+            <a:endParaRPr lang="en-US" sz="2600" dirty="0"/>
           </a:p>
         </p:txBody>
       </p:sp>
       <p:pic>
         <p:nvPicPr>
-          <p:cNvPr id="2" name="Picture 1" descr="beer-page-2.gif"/>
+          <p:cNvPr id="2" name="Picture 1" descr="beer-page.gif"/>
           <p:cNvPicPr>
             <a:picLocks noChangeAspect="1"/>
           </p:cNvPicPr>
@@ -5362,8 +5514,8 @@
         </p:blipFill>
         <p:spPr>
           <a:xfrm>
-            <a:off x="838200" y="787067"/>
-            <a:ext cx="7454900" cy="4241800"/>
+            <a:off x="0" y="0"/>
+            <a:ext cx="6018663" cy="6858000"/>
           </a:xfrm>
           <a:prstGeom prst="rect">
             <a:avLst/>
@@ -5372,23 +5524,64 @@
       </p:pic>
       <p:sp>
         <p:nvSpPr>
-          <p:cNvPr id="5" name="Rectangle 4"/>
+          <p:cNvPr id="3" name="Right Brace 2"/>
           <p:cNvSpPr/>
           <p:nvPr/>
         </p:nvSpPr>
         <p:spPr>
           <a:xfrm>
-            <a:off x="1030828" y="4417095"/>
-            <a:ext cx="5227773" cy="611772"/>
-          </a:xfrm>
-          <a:prstGeom prst="rect">
-            <a:avLst/>
-          </a:prstGeom>
-          <a:solidFill>
-            <a:srgbClr val="FF0000">
-              <a:alpha val="0"/>
-            </a:srgbClr>
-          </a:solidFill>
+            <a:off x="8651604" y="2484617"/>
+            <a:ext cx="312921" cy="1177452"/>
+          </a:xfrm>
+          <a:prstGeom prst="rightBrace">
+            <a:avLst>
+              <a:gd name="adj1" fmla="val 8333"/>
+              <a:gd name="adj2" fmla="val 48437"/>
+            </a:avLst>
+          </a:prstGeom>
+          <a:ln>
+            <a:solidFill>
+              <a:srgbClr val="3366FF"/>
+            </a:solidFill>
+          </a:ln>
+        </p:spPr>
+        <p:style>
+          <a:lnRef idx="2">
+            <a:schemeClr val="accent1"/>
+          </a:lnRef>
+          <a:fillRef idx="0">
+            <a:schemeClr val="accent1"/>
+          </a:fillRef>
+          <a:effectRef idx="1">
+            <a:schemeClr val="accent1"/>
+          </a:effectRef>
+          <a:fontRef idx="minor">
+            <a:schemeClr val="tx1"/>
+          </a:fontRef>
+        </p:style>
+        <p:txBody>
+          <a:bodyPr rtlCol="0" anchor="ctr"/>
+          <a:lstStyle/>
+          <a:p>
+            <a:pPr algn="ctr"/>
+            <a:endParaRPr lang="en-US"/>
+          </a:p>
+        </p:txBody>
+      </p:sp>
+      <p:sp>
+        <p:nvSpPr>
+          <p:cNvPr id="4" name="Left Brace 3"/>
+          <p:cNvSpPr/>
+          <p:nvPr/>
+        </p:nvSpPr>
+        <p:spPr>
+          <a:xfrm>
+            <a:off x="6184969" y="1969298"/>
+            <a:ext cx="330709" cy="1692771"/>
+          </a:xfrm>
+          <a:prstGeom prst="leftBrace">
+            <a:avLst/>
+          </a:prstGeom>
           <a:ln>
             <a:solidFill>
               <a:srgbClr val="FF0000"/>
@@ -5396,52 +5589,6 @@
           </a:ln>
         </p:spPr>
         <p:style>
-          <a:lnRef idx="1">
-            <a:schemeClr val="accent1"/>
-          </a:lnRef>
-          <a:fillRef idx="3">
-            <a:schemeClr val="accent1"/>
-          </a:fillRef>
-          <a:effectRef idx="2">
-            <a:schemeClr val="accent1"/>
-          </a:effectRef>
-          <a:fontRef idx="minor">
-            <a:schemeClr val="lt1"/>
-          </a:fontRef>
-        </p:style>
-        <p:txBody>
-          <a:bodyPr rtlCol="0" anchor="ctr"/>
-          <a:lstStyle/>
-          <a:p>
-            <a:pPr algn="ctr"/>
-            <a:endParaRPr lang="en-US"/>
-          </a:p>
-        </p:txBody>
-      </p:sp>
-      <p:cxnSp>
-        <p:nvCxnSpPr>
-          <p:cNvPr id="6" name="Straight Arrow Connector 5"/>
-          <p:cNvCxnSpPr>
-            <a:stCxn id="5" idx="1"/>
-          </p:cNvCxnSpPr>
-          <p:nvPr/>
-        </p:nvCxnSpPr>
-        <p:spPr>
-          <a:xfrm flipH="1">
-            <a:off x="226144" y="4722981"/>
-            <a:ext cx="804684" cy="768660"/>
-          </a:xfrm>
-          <a:prstGeom prst="straightConnector1">
-            <a:avLst/>
-          </a:prstGeom>
-          <a:ln>
-            <a:solidFill>
-              <a:srgbClr val="FF0000"/>
-            </a:solidFill>
-            <a:tailEnd type="arrow"/>
-          </a:ln>
-        </p:spPr>
-        <p:style>
           <a:lnRef idx="2">
             <a:schemeClr val="accent1"/>
           </a:lnRef>
@@ -5455,11 +5602,117 @@
             <a:schemeClr val="tx1"/>
           </a:fontRef>
         </p:style>
-      </p:cxnSp>
+        <p:txBody>
+          <a:bodyPr rtlCol="0" anchor="ctr"/>
+          <a:lstStyle/>
+          <a:p>
+            <a:pPr algn="ctr"/>
+            <a:endParaRPr lang="en-US"/>
+          </a:p>
+        </p:txBody>
+      </p:sp>
+      <p:sp>
+        <p:nvSpPr>
+          <p:cNvPr id="8" name="TextBox 7"/>
+          <p:cNvSpPr txBox="1"/>
+          <p:nvPr/>
+        </p:nvSpPr>
+        <p:spPr>
+          <a:xfrm>
+            <a:off x="6184969" y="1257143"/>
+            <a:ext cx="2779556" cy="492443"/>
+          </a:xfrm>
+          <a:prstGeom prst="rect">
+            <a:avLst/>
+          </a:prstGeom>
+          <a:noFill/>
+          <a:ln>
+            <a:solidFill>
+              <a:srgbClr val="FF0000"/>
+            </a:solidFill>
+          </a:ln>
+        </p:spPr>
+        <p:txBody>
+          <a:bodyPr wrap="square" rtlCol="0">
+            <a:spAutoFit/>
+          </a:bodyPr>
+          <a:lstStyle/>
+          <a:p>
+            <a:pPr algn="ctr"/>
+            <a:r>
+              <a:rPr lang="en-US" sz="2600" b="1" dirty="0" smtClean="0">
+                <a:solidFill>
+                  <a:srgbClr val="FF0000"/>
+                </a:solidFill>
+              </a:rPr>
+              <a:t>CRUD / validation</a:t>
+            </a:r>
+            <a:endParaRPr lang="en-US" sz="2600" b="1" dirty="0">
+              <a:solidFill>
+                <a:srgbClr val="FF0000"/>
+              </a:solidFill>
+            </a:endParaRPr>
+          </a:p>
+        </p:txBody>
+      </p:sp>
+      <p:sp>
+        <p:nvSpPr>
+          <p:cNvPr id="10" name="TextBox 9"/>
+          <p:cNvSpPr txBox="1"/>
+          <p:nvPr/>
+        </p:nvSpPr>
+        <p:spPr>
+          <a:xfrm>
+            <a:off x="7965282" y="3986181"/>
+            <a:ext cx="1141902" cy="492443"/>
+          </a:xfrm>
+          <a:prstGeom prst="rect">
+            <a:avLst/>
+          </a:prstGeom>
+          <a:noFill/>
+          <a:ln>
+            <a:solidFill>
+              <a:srgbClr val="3366FF"/>
+            </a:solidFill>
+          </a:ln>
+        </p:spPr>
+        <p:txBody>
+          <a:bodyPr wrap="square" rtlCol="0">
+            <a:spAutoFit/>
+          </a:bodyPr>
+          <a:lstStyle/>
+          <a:p>
+            <a:pPr algn="ctr"/>
+            <a:r>
+              <a:rPr lang="en-US" sz="2600" b="1" dirty="0" smtClean="0">
+                <a:ln>
+                  <a:solidFill>
+                    <a:srgbClr val="0000FF"/>
+                  </a:solidFill>
+                </a:ln>
+                <a:solidFill>
+                  <a:srgbClr val="0000FF"/>
+                </a:solidFill>
+              </a:rPr>
+              <a:t>social</a:t>
+            </a:r>
+            <a:endParaRPr lang="en-US" sz="2600" b="1" dirty="0">
+              <a:ln>
+                <a:solidFill>
+                  <a:srgbClr val="0000FF"/>
+                </a:solidFill>
+              </a:ln>
+              <a:solidFill>
+                <a:srgbClr val="0000FF"/>
+              </a:solidFill>
+            </a:endParaRPr>
+          </a:p>
+        </p:txBody>
+      </p:sp>
     </p:spTree>
     <p:extLst>
       <p:ext uri="{BB962C8B-B14F-4D97-AF65-F5344CB8AC3E}">
-        <p14:creationId xmlns:p14="http://schemas.microsoft.com/office/powerpoint/2010/main" val="822717842"/>
+        <p14:creationId xmlns:p14="http://schemas.microsoft.com/office/powerpoint/2010/main" val="529429147"/>
       </p:ext>
     </p:extLst>
   </p:cSld>
@@ -5493,127 +5746,9 @@
           <a:chExt cx="0" cy="0"/>
         </a:xfrm>
       </p:grpSpPr>
-      <p:cxnSp>
-        <p:nvCxnSpPr>
-          <p:cNvPr id="7" name="Straight Arrow Connector 6"/>
-          <p:cNvCxnSpPr/>
-          <p:nvPr/>
-        </p:nvCxnSpPr>
-        <p:spPr>
-          <a:xfrm>
-            <a:off x="4887231" y="5638800"/>
-            <a:ext cx="561433" cy="526728"/>
-          </a:xfrm>
-          <a:prstGeom prst="straightConnector1">
-            <a:avLst/>
-          </a:prstGeom>
-          <a:ln>
-            <a:solidFill>
-              <a:srgbClr val="FF0000"/>
-            </a:solidFill>
-            <a:tailEnd type="arrow"/>
-          </a:ln>
-        </p:spPr>
-        <p:style>
-          <a:lnRef idx="2">
-            <a:schemeClr val="accent1"/>
-          </a:lnRef>
-          <a:fillRef idx="0">
-            <a:schemeClr val="accent1"/>
-          </a:fillRef>
-          <a:effectRef idx="1">
-            <a:schemeClr val="accent1"/>
-          </a:effectRef>
-          <a:fontRef idx="minor">
-            <a:schemeClr val="tx1"/>
-          </a:fontRef>
-        </p:style>
-      </p:cxnSp>
-      <p:sp>
-        <p:nvSpPr>
-          <p:cNvPr id="9" name="TextBox 8"/>
-          <p:cNvSpPr txBox="1"/>
-          <p:nvPr/>
-        </p:nvSpPr>
-        <p:spPr>
-          <a:xfrm>
-            <a:off x="6515679" y="1969298"/>
-            <a:ext cx="2135925" cy="1692771"/>
-          </a:xfrm>
-          <a:prstGeom prst="rect">
-            <a:avLst/>
-          </a:prstGeom>
-          <a:noFill/>
-          <a:ln>
-            <a:solidFill>
-              <a:schemeClr val="tx1"/>
-            </a:solidFill>
-          </a:ln>
-        </p:spPr>
-        <p:txBody>
-          <a:bodyPr wrap="square" rtlCol="0">
-            <a:spAutoFit/>
-          </a:bodyPr>
-          <a:lstStyle/>
-          <a:p>
-            <a:pPr marL="285750" indent="-285750">
-              <a:buFontTx/>
-              <a:buChar char="-"/>
-            </a:pPr>
-            <a:r>
-              <a:rPr lang="en-US" sz="2600" dirty="0"/>
-              <a:t>b</a:t>
-            </a:r>
-            <a:r>
-              <a:rPr lang="en-US" sz="2600" dirty="0" smtClean="0"/>
-              <a:t>eer</a:t>
-            </a:r>
-          </a:p>
-          <a:p>
-            <a:pPr marL="285750" indent="-285750">
-              <a:buFontTx/>
-              <a:buChar char="-"/>
-            </a:pPr>
-            <a:r>
-              <a:rPr lang="en-US" sz="2600" dirty="0"/>
-              <a:t>r</a:t>
-            </a:r>
-            <a:r>
-              <a:rPr lang="en-US" sz="2600" dirty="0" smtClean="0"/>
-              <a:t>ags</a:t>
-            </a:r>
-          </a:p>
-          <a:p>
-            <a:pPr marL="285750" indent="-285750">
-              <a:buFontTx/>
-              <a:buChar char="-"/>
-            </a:pPr>
-            <a:r>
-              <a:rPr lang="en-US" sz="2600" dirty="0"/>
-              <a:t>r</a:t>
-            </a:r>
-            <a:r>
-              <a:rPr lang="en-US" sz="2600" dirty="0" smtClean="0"/>
-              <a:t>eviews</a:t>
-            </a:r>
-            <a:endParaRPr lang="en-US" sz="2600" dirty="0"/>
-          </a:p>
-          <a:p>
-            <a:pPr marL="285750" indent="-285750">
-              <a:buFontTx/>
-              <a:buChar char="-"/>
-            </a:pPr>
-            <a:r>
-              <a:rPr lang="en-US" sz="2600" dirty="0" smtClean="0"/>
-              <a:t>comments</a:t>
-            </a:r>
-            <a:endParaRPr lang="en-US" sz="2600" dirty="0"/>
-          </a:p>
-        </p:txBody>
-      </p:sp>
       <p:pic>
         <p:nvPicPr>
-          <p:cNvPr id="2" name="Picture 1" descr="beer-page.gif"/>
+          <p:cNvPr id="3" name="Picture 2" descr="select-bar-page.gif"/>
           <p:cNvPicPr>
             <a:picLocks noChangeAspect="1"/>
           </p:cNvPicPr>
@@ -5633,8 +5768,8 @@
         </p:blipFill>
         <p:spPr>
           <a:xfrm>
-            <a:off x="0" y="0"/>
-            <a:ext cx="6018663" cy="6858000"/>
+            <a:off x="462064" y="1784787"/>
+            <a:ext cx="6108700" cy="3987800"/>
           </a:xfrm>
           <a:prstGeom prst="rect">
             <a:avLst/>
@@ -5643,103 +5778,14 @@
       </p:pic>
       <p:sp>
         <p:nvSpPr>
-          <p:cNvPr id="3" name="Right Brace 2"/>
-          <p:cNvSpPr/>
-          <p:nvPr/>
-        </p:nvSpPr>
-        <p:spPr>
-          <a:xfrm>
-            <a:off x="8651604" y="2484617"/>
-            <a:ext cx="312921" cy="1177452"/>
-          </a:xfrm>
-          <a:prstGeom prst="rightBrace">
-            <a:avLst>
-              <a:gd name="adj1" fmla="val 8333"/>
-              <a:gd name="adj2" fmla="val 48437"/>
-            </a:avLst>
-          </a:prstGeom>
-          <a:ln>
-            <a:solidFill>
-              <a:srgbClr val="3366FF"/>
-            </a:solidFill>
-          </a:ln>
-        </p:spPr>
-        <p:style>
-          <a:lnRef idx="2">
-            <a:schemeClr val="accent1"/>
-          </a:lnRef>
-          <a:fillRef idx="0">
-            <a:schemeClr val="accent1"/>
-          </a:fillRef>
-          <a:effectRef idx="1">
-            <a:schemeClr val="accent1"/>
-          </a:effectRef>
-          <a:fontRef idx="minor">
-            <a:schemeClr val="tx1"/>
-          </a:fontRef>
-        </p:style>
-        <p:txBody>
-          <a:bodyPr rtlCol="0" anchor="ctr"/>
-          <a:lstStyle/>
-          <a:p>
-            <a:pPr algn="ctr"/>
-            <a:endParaRPr lang="en-US"/>
-          </a:p>
-        </p:txBody>
-      </p:sp>
-      <p:sp>
-        <p:nvSpPr>
-          <p:cNvPr id="4" name="Left Brace 3"/>
-          <p:cNvSpPr/>
-          <p:nvPr/>
-        </p:nvSpPr>
-        <p:spPr>
-          <a:xfrm>
-            <a:off x="6184969" y="1969298"/>
-            <a:ext cx="330709" cy="1692771"/>
-          </a:xfrm>
-          <a:prstGeom prst="leftBrace">
-            <a:avLst/>
-          </a:prstGeom>
-          <a:ln>
-            <a:solidFill>
-              <a:srgbClr val="FF0000"/>
-            </a:solidFill>
-          </a:ln>
-        </p:spPr>
-        <p:style>
-          <a:lnRef idx="2">
-            <a:schemeClr val="accent1"/>
-          </a:lnRef>
-          <a:fillRef idx="0">
-            <a:schemeClr val="accent1"/>
-          </a:fillRef>
-          <a:effectRef idx="1">
-            <a:schemeClr val="accent1"/>
-          </a:effectRef>
-          <a:fontRef idx="minor">
-            <a:schemeClr val="tx1"/>
-          </a:fontRef>
-        </p:style>
-        <p:txBody>
-          <a:bodyPr rtlCol="0" anchor="ctr"/>
-          <a:lstStyle/>
-          <a:p>
-            <a:pPr algn="ctr"/>
-            <a:endParaRPr lang="en-US"/>
-          </a:p>
-        </p:txBody>
-      </p:sp>
-      <p:sp>
-        <p:nvSpPr>
-          <p:cNvPr id="8" name="TextBox 7"/>
+          <p:cNvPr id="7" name="TextBox 6"/>
           <p:cNvSpPr txBox="1"/>
           <p:nvPr/>
         </p:nvSpPr>
         <p:spPr>
           <a:xfrm>
-            <a:off x="6184969" y="1257143"/>
-            <a:ext cx="2779556" cy="492443"/>
+            <a:off x="1049236" y="6281203"/>
+            <a:ext cx="2222491" cy="369332"/>
           </a:xfrm>
           <a:prstGeom prst="rect">
             <a:avLst/>
@@ -5747,7 +5793,7 @@
           <a:noFill/>
           <a:ln>
             <a:solidFill>
-              <a:srgbClr val="FF0000"/>
+              <a:schemeClr val="tx1"/>
             </a:solidFill>
           </a:ln>
         </p:spPr>
@@ -5757,33 +5803,48 @@
           </a:bodyPr>
           <a:lstStyle/>
           <a:p>
-            <a:pPr algn="ctr"/>
-            <a:r>
-              <a:rPr lang="en-US" sz="2600" b="1" dirty="0" smtClean="0">
-                <a:solidFill>
-                  <a:srgbClr val="FF0000"/>
-                </a:solidFill>
-              </a:rPr>
-              <a:t>CRUD / validation</a:t>
-            </a:r>
-            <a:endParaRPr lang="en-US" sz="2600" b="1" dirty="0">
-              <a:solidFill>
-                <a:srgbClr val="FF0000"/>
-              </a:solidFill>
-            </a:endParaRPr>
-          </a:p>
-        </p:txBody>
-      </p:sp>
-      <p:sp>
-        <p:nvSpPr>
-          <p:cNvPr id="10" name="TextBox 9"/>
+            <a:r>
+              <a:rPr lang="en-US" dirty="0" smtClean="0"/>
+              <a:t>URL: /bars/</a:t>
+            </a:r>
+            <a:endParaRPr lang="en-US" dirty="0"/>
+          </a:p>
+        </p:txBody>
+      </p:sp>
+      <p:pic>
+        <p:nvPicPr>
+          <p:cNvPr id="8" name="Picture 7"/>
+          <p:cNvPicPr>
+            <a:picLocks noChangeAspect="1"/>
+          </p:cNvPicPr>
+          <p:nvPr/>
+        </p:nvPicPr>
+        <p:blipFill>
+          <a:blip r:embed="rId3"/>
+          <a:stretch>
+            <a:fillRect/>
+          </a:stretch>
+        </p:blipFill>
+        <p:spPr>
+          <a:xfrm>
+            <a:off x="4611309" y="2571013"/>
+            <a:ext cx="878798" cy="112930"/>
+          </a:xfrm>
+          <a:prstGeom prst="rect">
+            <a:avLst/>
+          </a:prstGeom>
+        </p:spPr>
+      </p:pic>
+      <p:sp>
+        <p:nvSpPr>
+          <p:cNvPr id="5" name="TextBox 4"/>
           <p:cNvSpPr txBox="1"/>
           <p:nvPr/>
         </p:nvSpPr>
         <p:spPr>
           <a:xfrm>
-            <a:off x="7965282" y="3986181"/>
-            <a:ext cx="1141902" cy="492443"/>
+            <a:off x="5490107" y="5958037"/>
+            <a:ext cx="2222491" cy="646331"/>
           </a:xfrm>
           <a:prstGeom prst="rect">
             <a:avLst/>
@@ -5791,7 +5852,7 @@
           <a:noFill/>
           <a:ln>
             <a:solidFill>
-              <a:srgbClr val="3366FF"/>
+              <a:schemeClr val="tx1"/>
             </a:solidFill>
           </a:ln>
         </p:spPr>
@@ -5801,37 +5862,18 @@
           </a:bodyPr>
           <a:lstStyle/>
           <a:p>
-            <a:pPr algn="ctr"/>
-            <a:r>
-              <a:rPr lang="en-US" sz="2600" b="1" dirty="0" smtClean="0">
-                <a:ln>
-                  <a:solidFill>
-                    <a:srgbClr val="0000FF"/>
-                  </a:solidFill>
-                </a:ln>
-                <a:solidFill>
-                  <a:srgbClr val="0000FF"/>
-                </a:solidFill>
-              </a:rPr>
-              <a:t>social</a:t>
-            </a:r>
-            <a:endParaRPr lang="en-US" sz="2600" b="1" dirty="0">
-              <a:ln>
-                <a:solidFill>
-                  <a:srgbClr val="0000FF"/>
-                </a:solidFill>
-              </a:ln>
-              <a:solidFill>
-                <a:srgbClr val="0000FF"/>
-              </a:solidFill>
-            </a:endParaRPr>
+            <a:r>
+              <a:rPr lang="en-US" dirty="0" smtClean="0"/>
+              <a:t>Adding bars will also be possible here</a:t>
+            </a:r>
+            <a:endParaRPr lang="en-US" dirty="0"/>
           </a:p>
         </p:txBody>
       </p:sp>
     </p:spTree>
     <p:extLst>
       <p:ext uri="{BB962C8B-B14F-4D97-AF65-F5344CB8AC3E}">
-        <p14:creationId xmlns:p14="http://schemas.microsoft.com/office/powerpoint/2010/main" val="529429147"/>
+        <p14:creationId xmlns:p14="http://schemas.microsoft.com/office/powerpoint/2010/main" val="1868554645"/>
       </p:ext>
     </p:extLst>
   </p:cSld>
@@ -5897,13 +5939,100 @@
       </p:pic>
       <p:sp>
         <p:nvSpPr>
+          <p:cNvPr id="5" name="Rectangle 4"/>
+          <p:cNvSpPr/>
+          <p:nvPr/>
+        </p:nvSpPr>
+        <p:spPr>
+          <a:xfrm>
+            <a:off x="1270126" y="2165617"/>
+            <a:ext cx="2245735" cy="610352"/>
+          </a:xfrm>
+          <a:prstGeom prst="rect">
+            <a:avLst/>
+          </a:prstGeom>
+          <a:solidFill>
+            <a:srgbClr val="FF0000">
+              <a:alpha val="0"/>
+            </a:srgbClr>
+          </a:solidFill>
+          <a:ln>
+            <a:solidFill>
+              <a:srgbClr val="FF0000"/>
+            </a:solidFill>
+          </a:ln>
+        </p:spPr>
+        <p:style>
+          <a:lnRef idx="1">
+            <a:schemeClr val="accent1"/>
+          </a:lnRef>
+          <a:fillRef idx="3">
+            <a:schemeClr val="accent1"/>
+          </a:fillRef>
+          <a:effectRef idx="2">
+            <a:schemeClr val="accent1"/>
+          </a:effectRef>
+          <a:fontRef idx="minor">
+            <a:schemeClr val="lt1"/>
+          </a:fontRef>
+        </p:style>
+        <p:txBody>
+          <a:bodyPr rtlCol="0" anchor="ctr"/>
+          <a:lstStyle/>
+          <a:p>
+            <a:pPr algn="ctr"/>
+            <a:endParaRPr lang="en-US"/>
+          </a:p>
+        </p:txBody>
+      </p:sp>
+      <p:cxnSp>
+        <p:nvCxnSpPr>
+          <p:cNvPr id="6" name="Straight Arrow Connector 5"/>
+          <p:cNvCxnSpPr>
+            <a:stCxn id="5" idx="0"/>
+            <a:endCxn id="7" idx="2"/>
+          </p:cNvCxnSpPr>
+          <p:nvPr/>
+        </p:nvCxnSpPr>
+        <p:spPr>
+          <a:xfrm flipV="1">
+            <a:off x="2392994" y="1386830"/>
+            <a:ext cx="1589845" cy="778787"/>
+          </a:xfrm>
+          <a:prstGeom prst="straightConnector1">
+            <a:avLst/>
+          </a:prstGeom>
+          <a:ln>
+            <a:solidFill>
+              <a:srgbClr val="FF0000"/>
+            </a:solidFill>
+            <a:tailEnd type="arrow"/>
+          </a:ln>
+        </p:spPr>
+        <p:style>
+          <a:lnRef idx="2">
+            <a:schemeClr val="accent1"/>
+          </a:lnRef>
+          <a:fillRef idx="0">
+            <a:schemeClr val="accent1"/>
+          </a:fillRef>
+          <a:effectRef idx="1">
+            <a:schemeClr val="accent1"/>
+          </a:effectRef>
+          <a:fontRef idx="minor">
+            <a:schemeClr val="tx1"/>
+          </a:fontRef>
+        </p:style>
+      </p:cxnSp>
+      <p:sp>
+        <p:nvSpPr>
           <p:cNvPr id="7" name="TextBox 6"/>
           <p:cNvSpPr txBox="1"/>
           <p:nvPr/>
         </p:nvSpPr>
         <p:spPr>
           <a:xfrm>
-            <a:off x="1049236" y="6281203"/>
+            <a:off x="2871593" y="1017498"/>
             <a:ext cx="2222491" cy="369332"/>
           </a:xfrm>
           <a:prstGeom prst="rect">
@@ -5922,9 +6051,10 @@
           </a:bodyPr>
           <a:lstStyle/>
           <a:p>
-            <a:r>
-              <a:rPr lang="en-US" dirty="0" smtClean="0"/>
-              <a:t>URL: /bars/</a:t>
+            <a:pPr algn="ctr"/>
+            <a:r>
+              <a:rPr lang="en-US" dirty="0" err="1" smtClean="0"/>
+              <a:t>Autocompletion</a:t>
             </a:r>
             <a:endParaRPr lang="en-US" dirty="0"/>
           </a:p>
@@ -5954,45 +6084,10 @@
           </a:prstGeom>
         </p:spPr>
       </p:pic>
-      <p:sp>
-        <p:nvSpPr>
-          <p:cNvPr id="5" name="TextBox 4"/>
-          <p:cNvSpPr txBox="1"/>
-          <p:nvPr/>
-        </p:nvSpPr>
-        <p:spPr>
-          <a:xfrm>
-            <a:off x="5490107" y="5958037"/>
-            <a:ext cx="2222491" cy="646331"/>
-          </a:xfrm>
-          <a:prstGeom prst="rect">
-            <a:avLst/>
-          </a:prstGeom>
-          <a:noFill/>
-          <a:ln>
-            <a:solidFill>
-              <a:schemeClr val="tx1"/>
-            </a:solidFill>
-          </a:ln>
-        </p:spPr>
-        <p:txBody>
-          <a:bodyPr wrap="square" rtlCol="0">
-            <a:spAutoFit/>
-          </a:bodyPr>
-          <a:lstStyle/>
-          <a:p>
-            <a:r>
-              <a:rPr lang="en-US" dirty="0" smtClean="0"/>
-              <a:t>Adding bars will also be possible here</a:t>
-            </a:r>
-            <a:endParaRPr lang="en-US" dirty="0"/>
-          </a:p>
-        </p:txBody>
-      </p:sp>
     </p:spTree>
     <p:extLst>
       <p:ext uri="{BB962C8B-B14F-4D97-AF65-F5344CB8AC3E}">
-        <p14:creationId xmlns:p14="http://schemas.microsoft.com/office/powerpoint/2010/main" val="1868554645"/>
+        <p14:creationId xmlns:p14="http://schemas.microsoft.com/office/powerpoint/2010/main" val="972202811"/>
       </p:ext>
     </p:extLst>
   </p:cSld>
@@ -6026,132 +6121,40 @@
           <a:chExt cx="0" cy="0"/>
         </a:xfrm>
       </p:grpSpPr>
-      <p:pic>
-        <p:nvPicPr>
-          <p:cNvPr id="3" name="Picture 2" descr="select-bar-page.gif"/>
-          <p:cNvPicPr>
-            <a:picLocks noChangeAspect="1"/>
-          </p:cNvPicPr>
-          <p:nvPr/>
-        </p:nvPicPr>
-        <p:blipFill>
-          <a:blip r:embed="rId2">
-            <a:extLst>
-              <a:ext uri="{28A0092B-C50C-407E-A947-70E740481C1C}">
-                <a14:useLocalDpi xmlns:a14="http://schemas.microsoft.com/office/drawing/2010/main" val="0"/>
-              </a:ext>
-            </a:extLst>
-          </a:blip>
-          <a:stretch>
-            <a:fillRect/>
-          </a:stretch>
-        </p:blipFill>
-        <p:spPr>
-          <a:xfrm>
-            <a:off x="462064" y="1784787"/>
-            <a:ext cx="6108700" cy="3987800"/>
-          </a:xfrm>
-          <a:prstGeom prst="rect">
-            <a:avLst/>
-          </a:prstGeom>
-        </p:spPr>
-      </p:pic>
-      <p:sp>
-        <p:nvSpPr>
-          <p:cNvPr id="5" name="Rectangle 4"/>
+      <p:sp>
+        <p:nvSpPr>
+          <p:cNvPr id="2" name="Shape 31"/>
           <p:cNvSpPr/>
           <p:nvPr/>
         </p:nvSpPr>
         <p:spPr>
           <a:xfrm>
-            <a:off x="1270126" y="2165617"/>
-            <a:ext cx="2245735" cy="610352"/>
-          </a:xfrm>
-          <a:prstGeom prst="rect">
-            <a:avLst/>
-          </a:prstGeom>
-          <a:solidFill>
-            <a:srgbClr val="FF0000">
-              <a:alpha val="0"/>
-            </a:srgbClr>
-          </a:solidFill>
+            <a:off x="803563" y="853980"/>
+            <a:ext cx="7171019" cy="4466165"/>
+          </a:xfrm>
+          <a:prstGeom prst="rect">
+            <a:avLst/>
+          </a:prstGeom>
+          <a:blipFill>
+            <a:blip r:embed="rId2"/>
+            <a:stretch>
+              <a:fillRect/>
+            </a:stretch>
+          </a:blipFill>
           <a:ln>
-            <a:solidFill>
-              <a:srgbClr val="FF0000"/>
-            </a:solidFill>
+            <a:noFill/>
           </a:ln>
         </p:spPr>
-        <p:style>
-          <a:lnRef idx="1">
-            <a:schemeClr val="accent1"/>
-          </a:lnRef>
-          <a:fillRef idx="3">
-            <a:schemeClr val="accent1"/>
-          </a:fillRef>
-          <a:effectRef idx="2">
-            <a:schemeClr val="accent1"/>
-          </a:effectRef>
-          <a:fontRef idx="minor">
-            <a:schemeClr val="lt1"/>
-          </a:fontRef>
-        </p:style>
-        <p:txBody>
-          <a:bodyPr rtlCol="0" anchor="ctr"/>
-          <a:lstStyle/>
-          <a:p>
-            <a:pPr algn="ctr"/>
-            <a:endParaRPr lang="en-US"/>
-          </a:p>
-        </p:txBody>
-      </p:sp>
-      <p:cxnSp>
-        <p:nvCxnSpPr>
-          <p:cNvPr id="6" name="Straight Arrow Connector 5"/>
-          <p:cNvCxnSpPr>
-            <a:stCxn id="5" idx="0"/>
-            <a:endCxn id="7" idx="2"/>
-          </p:cNvCxnSpPr>
-          <p:nvPr/>
-        </p:nvCxnSpPr>
-        <p:spPr>
-          <a:xfrm flipV="1">
-            <a:off x="2392994" y="1386830"/>
-            <a:ext cx="1589845" cy="778787"/>
-          </a:xfrm>
-          <a:prstGeom prst="straightConnector1">
-            <a:avLst/>
-          </a:prstGeom>
-          <a:ln>
-            <a:solidFill>
-              <a:srgbClr val="FF0000"/>
-            </a:solidFill>
-            <a:tailEnd type="arrow"/>
-          </a:ln>
-        </p:spPr>
-        <p:style>
-          <a:lnRef idx="2">
-            <a:schemeClr val="accent1"/>
-          </a:lnRef>
-          <a:fillRef idx="0">
-            <a:schemeClr val="accent1"/>
-          </a:fillRef>
-          <a:effectRef idx="1">
-            <a:schemeClr val="accent1"/>
-          </a:effectRef>
-          <a:fontRef idx="minor">
-            <a:schemeClr val="tx1"/>
-          </a:fontRef>
-        </p:style>
-      </p:cxnSp>
-      <p:sp>
-        <p:nvSpPr>
-          <p:cNvPr id="7" name="TextBox 6"/>
+      </p:sp>
+      <p:sp>
+        <p:nvSpPr>
+          <p:cNvPr id="3" name="TextBox 2"/>
           <p:cNvSpPr txBox="1"/>
           <p:nvPr/>
         </p:nvSpPr>
         <p:spPr>
           <a:xfrm>
-            <a:off x="2871593" y="1017498"/>
+            <a:off x="5890637" y="5746153"/>
             <a:ext cx="2222491" cy="369332"/>
           </a:xfrm>
           <a:prstGeom prst="rect">
@@ -6170,43 +6173,65 @@
           </a:bodyPr>
           <a:lstStyle/>
           <a:p>
-            <a:pPr algn="ctr"/>
+            <a:r>
+              <a:rPr lang="en-US" dirty="0" smtClean="0"/>
+              <a:t>URL: /bars/</a:t>
+            </a:r>
             <a:r>
               <a:rPr lang="en-US" dirty="0" err="1" smtClean="0"/>
-              <a:t>Autocompletion</a:t>
+              <a:t>de_prof</a:t>
             </a:r>
             <a:endParaRPr lang="en-US" dirty="0"/>
           </a:p>
         </p:txBody>
       </p:sp>
-      <p:pic>
-        <p:nvPicPr>
-          <p:cNvPr id="8" name="Picture 7"/>
-          <p:cNvPicPr>
-            <a:picLocks noChangeAspect="1"/>
-          </p:cNvPicPr>
-          <p:nvPr/>
-        </p:nvPicPr>
-        <p:blipFill>
-          <a:blip r:embed="rId3"/>
-          <a:stretch>
-            <a:fillRect/>
-          </a:stretch>
-        </p:blipFill>
-        <p:spPr>
-          <a:xfrm>
-            <a:off x="4611309" y="2571013"/>
-            <a:ext cx="878798" cy="112930"/>
-          </a:xfrm>
-          <a:prstGeom prst="rect">
-            <a:avLst/>
-          </a:prstGeom>
-        </p:spPr>
-      </p:pic>
+      <p:sp>
+        <p:nvSpPr>
+          <p:cNvPr id="5" name="TextBox 4"/>
+          <p:cNvSpPr txBox="1"/>
+          <p:nvPr/>
+        </p:nvSpPr>
+        <p:spPr>
+          <a:xfrm>
+            <a:off x="697808" y="5796196"/>
+            <a:ext cx="4357458" cy="369332"/>
+          </a:xfrm>
+          <a:prstGeom prst="rect">
+            <a:avLst/>
+          </a:prstGeom>
+          <a:noFill/>
+          <a:ln>
+            <a:solidFill>
+              <a:schemeClr val="tx1"/>
+            </a:solidFill>
+          </a:ln>
+        </p:spPr>
+        <p:txBody>
+          <a:bodyPr wrap="none" rtlCol="0">
+            <a:spAutoFit/>
+          </a:bodyPr>
+          <a:lstStyle/>
+          <a:p>
+            <a:r>
+              <a:rPr lang="en-US" dirty="0" smtClean="0"/>
+              <a:t>Read and </a:t>
+            </a:r>
+            <a:r>
+              <a:rPr lang="en-US" dirty="0"/>
+              <a:t>u</a:t>
+            </a:r>
+            <a:r>
+              <a:rPr lang="en-US" dirty="0" smtClean="0"/>
+              <a:t>pdate of the user database entity</a:t>
+            </a:r>
+            <a:endParaRPr lang="en-US" dirty="0"/>
+          </a:p>
+        </p:txBody>
+      </p:sp>
     </p:spTree>
     <p:extLst>
       <p:ext uri="{BB962C8B-B14F-4D97-AF65-F5344CB8AC3E}">
-        <p14:creationId xmlns:p14="http://schemas.microsoft.com/office/powerpoint/2010/main" val="972202811"/>
+        <p14:creationId xmlns:p14="http://schemas.microsoft.com/office/powerpoint/2010/main" val="1670194220"/>
       </p:ext>
     </p:extLst>
   </p:cSld>
@@ -6267,14 +6292,14 @@
       </p:sp>
       <p:sp>
         <p:nvSpPr>
-          <p:cNvPr id="3" name="TextBox 2"/>
+          <p:cNvPr id="5" name="TextBox 4"/>
           <p:cNvSpPr txBox="1"/>
           <p:nvPr/>
         </p:nvSpPr>
         <p:spPr>
           <a:xfrm>
-            <a:off x="5890637" y="5746153"/>
-            <a:ext cx="2222491" cy="369332"/>
+            <a:off x="2093927" y="5801192"/>
+            <a:ext cx="2792239" cy="369332"/>
           </a:xfrm>
           <a:prstGeom prst="rect">
             <a:avLst/>
@@ -6287,45 +6312,6 @@
           </a:ln>
         </p:spPr>
         <p:txBody>
-          <a:bodyPr wrap="square" rtlCol="0">
-            <a:spAutoFit/>
-          </a:bodyPr>
-          <a:lstStyle/>
-          <a:p>
-            <a:r>
-              <a:rPr lang="en-US" dirty="0" smtClean="0"/>
-              <a:t>URL: /bars/</a:t>
-            </a:r>
-            <a:r>
-              <a:rPr lang="en-US" dirty="0" err="1" smtClean="0"/>
-              <a:t>de_prof</a:t>
-            </a:r>
-            <a:endParaRPr lang="en-US" dirty="0"/>
-          </a:p>
-        </p:txBody>
-      </p:sp>
-      <p:sp>
-        <p:nvSpPr>
-          <p:cNvPr id="5" name="TextBox 4"/>
-          <p:cNvSpPr txBox="1"/>
-          <p:nvPr/>
-        </p:nvSpPr>
-        <p:spPr>
-          <a:xfrm>
-            <a:off x="697808" y="5796196"/>
-            <a:ext cx="4357458" cy="369332"/>
-          </a:xfrm>
-          <a:prstGeom prst="rect">
-            <a:avLst/>
-          </a:prstGeom>
-          <a:noFill/>
-          <a:ln>
-            <a:solidFill>
-              <a:schemeClr val="tx1"/>
-            </a:solidFill>
-          </a:ln>
-        </p:spPr>
-        <p:txBody>
           <a:bodyPr wrap="none" rtlCol="0">
             <a:spAutoFit/>
           </a:bodyPr>
@@ -6333,30 +6319,100 @@
           <a:p>
             <a:r>
               <a:rPr lang="en-US" dirty="0" smtClean="0"/>
-              <a:t>Read and </a:t>
-            </a:r>
-            <a:r>
-              <a:rPr lang="en-US" dirty="0"/>
-              <a:t>u</a:t>
-            </a:r>
-            <a:r>
-              <a:rPr lang="en-US" dirty="0" smtClean="0"/>
-              <a:t>pdate of the user database entity</a:t>
+              <a:t>Leave comments on the bar</a:t>
             </a:r>
             <a:endParaRPr lang="en-US" dirty="0"/>
           </a:p>
         </p:txBody>
       </p:sp>
+      <p:sp>
+        <p:nvSpPr>
+          <p:cNvPr id="6" name="Shape 32"/>
+          <p:cNvSpPr/>
+          <p:nvPr/>
+        </p:nvSpPr>
+        <p:spPr>
+          <a:xfrm>
+            <a:off x="994203" y="3221971"/>
+            <a:ext cx="5018669" cy="1250700"/>
+          </a:xfrm>
+          <a:prstGeom prst="rect">
+            <a:avLst/>
+          </a:prstGeom>
+          <a:noFill/>
+          <a:ln w="19050" cap="flat">
+            <a:solidFill>
+              <a:srgbClr val="FF0000"/>
+            </a:solidFill>
+            <a:prstDash val="solid"/>
+            <a:round/>
+            <a:headEnd type="none" w="med" len="med"/>
+            <a:tailEnd type="none" w="med" len="med"/>
+          </a:ln>
+        </p:spPr>
+        <p:txBody>
+          <a:bodyPr lIns="91425" tIns="91425" rIns="91425" bIns="91425" anchor="ctr" anchorCtr="0">
+            <a:noAutofit/>
+          </a:bodyPr>
+          <a:lstStyle/>
+          <a:p>
+            <a:endParaRPr/>
+          </a:p>
+        </p:txBody>
+      </p:sp>
+      <p:cxnSp>
+        <p:nvCxnSpPr>
+          <p:cNvPr id="7" name="Straight Arrow Connector 6"/>
+          <p:cNvCxnSpPr/>
+          <p:nvPr/>
+        </p:nvCxnSpPr>
+        <p:spPr>
+          <a:xfrm>
+            <a:off x="2974885" y="4472672"/>
+            <a:ext cx="794922" cy="1323524"/>
+          </a:xfrm>
+          <a:prstGeom prst="straightConnector1">
+            <a:avLst/>
+          </a:prstGeom>
+          <a:ln>
+            <a:solidFill>
+              <a:srgbClr val="FF0000"/>
+            </a:solidFill>
+            <a:tailEnd type="arrow"/>
+          </a:ln>
+        </p:spPr>
+        <p:style>
+          <a:lnRef idx="2">
+            <a:schemeClr val="accent1"/>
+          </a:lnRef>
+          <a:fillRef idx="0">
+            <a:schemeClr val="accent1"/>
+          </a:fillRef>
+          <a:effectRef idx="1">
+            <a:schemeClr val="accent1"/>
+          </a:effectRef>
+          <a:fontRef idx="minor">
+            <a:schemeClr val="tx1"/>
+          </a:fontRef>
+        </p:style>
+      </p:cxnSp>
     </p:spTree>
     <p:extLst>
       <p:ext uri="{BB962C8B-B14F-4D97-AF65-F5344CB8AC3E}">
-        <p14:creationId xmlns:p14="http://schemas.microsoft.com/office/powerpoint/2010/main" val="1670194220"/>
+        <p14:creationId xmlns:p14="http://schemas.microsoft.com/office/powerpoint/2010/main" val="590942081"/>
       </p:ext>
     </p:extLst>
   </p:cSld>
   <p:clrMapOvr>
     <a:masterClrMapping/>
   </p:clrMapOvr>
+  <p:timing>
+    <p:tnLst>
+      <p:par>
+        <p:cTn xmlns:p14="http://schemas.microsoft.com/office/powerpoint/2010/main" id="1" dur="indefinite" restart="never" nodeType="tmRoot"/>
+      </p:par>
+    </p:tnLst>
+  </p:timing>
 </p:sld>
 </file>
 
@@ -6385,7 +6441,7 @@
         </p:nvSpPr>
         <p:spPr>
           <a:xfrm>
-            <a:off x="803563" y="853980"/>
+            <a:off x="803562" y="861696"/>
             <a:ext cx="7171019" cy="4466165"/>
           </a:xfrm>
           <a:prstGeom prst="rect">
@@ -6411,7 +6467,7 @@
         <p:spPr>
           <a:xfrm>
             <a:off x="2093927" y="5801192"/>
-            <a:ext cx="2792239" cy="369332"/>
+            <a:ext cx="3477683" cy="369332"/>
           </a:xfrm>
           <a:prstGeom prst="rect">
             <a:avLst/>
@@ -6431,7 +6487,7 @@
           <a:p>
             <a:r>
               <a:rPr lang="en-US" dirty="0" smtClean="0"/>
-              <a:t>Leave comments on the bar</a:t>
+              <a:t>View the beers available in the bar</a:t>
             </a:r>
             <a:endParaRPr lang="en-US" dirty="0"/>
           </a:p>
@@ -6445,8 +6501,8 @@
         </p:nvSpPr>
         <p:spPr>
           <a:xfrm>
-            <a:off x="994203" y="3221971"/>
-            <a:ext cx="5018669" cy="1250700"/>
+            <a:off x="6258930" y="977534"/>
+            <a:ext cx="1715651" cy="4156900"/>
           </a:xfrm>
           <a:prstGeom prst="rect">
             <a:avLst/>
@@ -6479,9 +6535,9 @@
           <p:nvPr/>
         </p:nvCxnSpPr>
         <p:spPr>
-          <a:xfrm>
-            <a:off x="2974885" y="4472672"/>
-            <a:ext cx="794922" cy="1323524"/>
+          <a:xfrm flipH="1">
+            <a:off x="4682836" y="4112454"/>
+            <a:ext cx="1576094" cy="1688738"/>
           </a:xfrm>
           <a:prstGeom prst="straightConnector1">
             <a:avLst/>
@@ -6508,16 +6564,129 @@
           </a:fontRef>
         </p:style>
       </p:cxnSp>
+      <p:sp>
+        <p:nvSpPr>
+          <p:cNvPr id="8" name="Shape 32"/>
+          <p:cNvSpPr/>
+          <p:nvPr/>
+        </p:nvSpPr>
+        <p:spPr>
+          <a:xfrm>
+            <a:off x="6411330" y="4488873"/>
+            <a:ext cx="1194815" cy="398980"/>
+          </a:xfrm>
+          <a:prstGeom prst="rect">
+            <a:avLst/>
+          </a:prstGeom>
+          <a:noFill/>
+          <a:ln w="19050" cap="flat">
+            <a:solidFill>
+              <a:srgbClr val="FF0000"/>
+            </a:solidFill>
+            <a:prstDash val="solid"/>
+            <a:round/>
+            <a:headEnd type="none" w="med" len="med"/>
+            <a:tailEnd type="none" w="med" len="med"/>
+          </a:ln>
+        </p:spPr>
+        <p:txBody>
+          <a:bodyPr lIns="91425" tIns="91425" rIns="91425" bIns="91425" anchor="ctr" anchorCtr="0">
+            <a:noAutofit/>
+          </a:bodyPr>
+          <a:lstStyle/>
+          <a:p>
+            <a:endParaRPr/>
+          </a:p>
+        </p:txBody>
+      </p:sp>
+      <p:cxnSp>
+        <p:nvCxnSpPr>
+          <p:cNvPr id="9" name="Straight Arrow Connector 8"/>
+          <p:cNvCxnSpPr/>
+          <p:nvPr/>
+        </p:nvCxnSpPr>
+        <p:spPr>
+          <a:xfrm>
+            <a:off x="7008737" y="4906931"/>
+            <a:ext cx="108018" cy="844369"/>
+          </a:xfrm>
+          <a:prstGeom prst="straightConnector1">
+            <a:avLst/>
+          </a:prstGeom>
+          <a:ln>
+            <a:solidFill>
+              <a:srgbClr val="FF0000"/>
+            </a:solidFill>
+            <a:tailEnd type="arrow"/>
+          </a:ln>
+        </p:spPr>
+        <p:style>
+          <a:lnRef idx="2">
+            <a:schemeClr val="accent1"/>
+          </a:lnRef>
+          <a:fillRef idx="0">
+            <a:schemeClr val="accent1"/>
+          </a:fillRef>
+          <a:effectRef idx="1">
+            <a:schemeClr val="accent1"/>
+          </a:effectRef>
+          <a:fontRef idx="minor">
+            <a:schemeClr val="tx1"/>
+          </a:fontRef>
+        </p:style>
+      </p:cxnSp>
+      <p:sp>
+        <p:nvSpPr>
+          <p:cNvPr id="10" name="TextBox 9"/>
+          <p:cNvSpPr txBox="1"/>
+          <p:nvPr/>
+        </p:nvSpPr>
+        <p:spPr>
+          <a:xfrm>
+            <a:off x="6021993" y="5751300"/>
+            <a:ext cx="2683940" cy="369332"/>
+          </a:xfrm>
+          <a:prstGeom prst="rect">
+            <a:avLst/>
+          </a:prstGeom>
+          <a:noFill/>
+          <a:ln>
+            <a:solidFill>
+              <a:schemeClr val="tx1"/>
+            </a:solidFill>
+          </a:ln>
+        </p:spPr>
+        <p:txBody>
+          <a:bodyPr wrap="none" rtlCol="0">
+            <a:spAutoFit/>
+          </a:bodyPr>
+          <a:lstStyle/>
+          <a:p>
+            <a:r>
+              <a:rPr lang="en-US" dirty="0" smtClean="0"/>
+              <a:t>Add other beers to the bar</a:t>
+            </a:r>
+            <a:endParaRPr lang="en-US" dirty="0"/>
+          </a:p>
+        </p:txBody>
+      </p:sp>
     </p:spTree>
     <p:extLst>
       <p:ext uri="{BB962C8B-B14F-4D97-AF65-F5344CB8AC3E}">
-        <p14:creationId xmlns:p14="http://schemas.microsoft.com/office/powerpoint/2010/main" val="590942081"/>
+        <p14:creationId xmlns:p14="http://schemas.microsoft.com/office/powerpoint/2010/main" val="2891401606"/>
       </p:ext>
     </p:extLst>
   </p:cSld>
   <p:clrMapOvr>
     <a:masterClrMapping/>
   </p:clrMapOvr>
+  <p:timing>
+    <p:tnLst>
+      <p:par>
+        <p:cTn xmlns:p14="http://schemas.microsoft.com/office/powerpoint/2010/main" id="1" dur="indefinite" restart="never" nodeType="tmRoot"/>
+      </p:par>
+    </p:tnLst>
+  </p:timing>
 </p:sld>
 </file>
 
@@ -6546,7 +6715,7 @@
         </p:nvSpPr>
         <p:spPr>
           <a:xfrm>
-            <a:off x="803562" y="861696"/>
+            <a:off x="803563" y="853980"/>
             <a:ext cx="7171019" cy="4466165"/>
           </a:xfrm>
           <a:prstGeom prst="rect">
@@ -6572,7 +6741,7 @@
         <p:spPr>
           <a:xfrm>
             <a:off x="2093927" y="5801192"/>
-            <a:ext cx="3477683" cy="369332"/>
+            <a:ext cx="6163290" cy="369332"/>
           </a:xfrm>
           <a:prstGeom prst="rect">
             <a:avLst/>
@@ -6592,7 +6761,7 @@
           <a:p>
             <a:r>
               <a:rPr lang="en-US" dirty="0" smtClean="0"/>
-              <a:t>View the beers available in the bar</a:t>
+              <a:t>Rating of the bar + evolution of the rating (using HTML5 canvas)</a:t>
             </a:r>
             <a:endParaRPr lang="en-US" dirty="0"/>
           </a:p>
@@ -6606,8 +6775,8 @@
         </p:nvSpPr>
         <p:spPr>
           <a:xfrm>
-            <a:off x="6258930" y="977534"/>
-            <a:ext cx="1715651" cy="4156900"/>
+            <a:off x="2809149" y="1032953"/>
+            <a:ext cx="2982052" cy="865120"/>
           </a:xfrm>
           <a:prstGeom prst="rect">
             <a:avLst/>
@@ -6641,8 +6810,8 @@
         </p:nvCxnSpPr>
         <p:spPr>
           <a:xfrm flipH="1">
-            <a:off x="4682836" y="4112454"/>
-            <a:ext cx="1576094" cy="1688738"/>
+            <a:off x="3769807" y="1898073"/>
+            <a:ext cx="386557" cy="3898123"/>
           </a:xfrm>
           <a:prstGeom prst="straightConnector1">
             <a:avLst/>
@@ -6669,122 +6838,23 @@
           </a:fontRef>
         </p:style>
       </p:cxnSp>
-      <p:sp>
-        <p:nvSpPr>
-          <p:cNvPr id="8" name="Shape 32"/>
-          <p:cNvSpPr/>
-          <p:nvPr/>
-        </p:nvSpPr>
-        <p:spPr>
-          <a:xfrm>
-            <a:off x="6411330" y="4488873"/>
-            <a:ext cx="1194815" cy="398980"/>
-          </a:xfrm>
-          <a:prstGeom prst="rect">
-            <a:avLst/>
-          </a:prstGeom>
-          <a:noFill/>
-          <a:ln w="19050" cap="flat">
-            <a:solidFill>
-              <a:srgbClr val="FF0000"/>
-            </a:solidFill>
-            <a:prstDash val="solid"/>
-            <a:round/>
-            <a:headEnd type="none" w="med" len="med"/>
-            <a:tailEnd type="none" w="med" len="med"/>
-          </a:ln>
-        </p:spPr>
-        <p:txBody>
-          <a:bodyPr lIns="91425" tIns="91425" rIns="91425" bIns="91425" anchor="ctr" anchorCtr="0">
-            <a:noAutofit/>
-          </a:bodyPr>
-          <a:lstStyle/>
-          <a:p>
-            <a:endParaRPr/>
-          </a:p>
-        </p:txBody>
-      </p:sp>
-      <p:cxnSp>
-        <p:nvCxnSpPr>
-          <p:cNvPr id="9" name="Straight Arrow Connector 8"/>
-          <p:cNvCxnSpPr/>
-          <p:nvPr/>
-        </p:nvCxnSpPr>
-        <p:spPr>
-          <a:xfrm>
-            <a:off x="7008737" y="4906931"/>
-            <a:ext cx="108018" cy="844369"/>
-          </a:xfrm>
-          <a:prstGeom prst="straightConnector1">
-            <a:avLst/>
-          </a:prstGeom>
-          <a:ln>
-            <a:solidFill>
-              <a:srgbClr val="FF0000"/>
-            </a:solidFill>
-            <a:tailEnd type="arrow"/>
-          </a:ln>
-        </p:spPr>
-        <p:style>
-          <a:lnRef idx="2">
-            <a:schemeClr val="accent1"/>
-          </a:lnRef>
-          <a:fillRef idx="0">
-            <a:schemeClr val="accent1"/>
-          </a:fillRef>
-          <a:effectRef idx="1">
-            <a:schemeClr val="accent1"/>
-          </a:effectRef>
-          <a:fontRef idx="minor">
-            <a:schemeClr val="tx1"/>
-          </a:fontRef>
-        </p:style>
-      </p:cxnSp>
-      <p:sp>
-        <p:nvSpPr>
-          <p:cNvPr id="10" name="TextBox 9"/>
-          <p:cNvSpPr txBox="1"/>
-          <p:nvPr/>
-        </p:nvSpPr>
-        <p:spPr>
-          <a:xfrm>
-            <a:off x="6021993" y="5751300"/>
-            <a:ext cx="2683940" cy="369332"/>
-          </a:xfrm>
-          <a:prstGeom prst="rect">
-            <a:avLst/>
-          </a:prstGeom>
-          <a:noFill/>
-          <a:ln>
-            <a:solidFill>
-              <a:schemeClr val="tx1"/>
-            </a:solidFill>
-          </a:ln>
-        </p:spPr>
-        <p:txBody>
-          <a:bodyPr wrap="none" rtlCol="0">
-            <a:spAutoFit/>
-          </a:bodyPr>
-          <a:lstStyle/>
-          <a:p>
-            <a:r>
-              <a:rPr lang="en-US" dirty="0" smtClean="0"/>
-              <a:t>Add other beers to the bar</a:t>
-            </a:r>
-            <a:endParaRPr lang="en-US" dirty="0"/>
-          </a:p>
-        </p:txBody>
-      </p:sp>
     </p:spTree>
     <p:extLst>
       <p:ext uri="{BB962C8B-B14F-4D97-AF65-F5344CB8AC3E}">
-        <p14:creationId xmlns:p14="http://schemas.microsoft.com/office/powerpoint/2010/main" val="2891401606"/>
+        <p14:creationId xmlns:p14="http://schemas.microsoft.com/office/powerpoint/2010/main" val="3207049804"/>
       </p:ext>
     </p:extLst>
   </p:cSld>
   <p:clrMapOvr>
     <a:masterClrMapping/>
   </p:clrMapOvr>
+  <p:timing>
+    <p:tnLst>
+      <p:par>
+        <p:cTn xmlns:p14="http://schemas.microsoft.com/office/powerpoint/2010/main" id="1" dur="indefinite" restart="never" nodeType="tmRoot"/>
+      </p:par>
+    </p:tnLst>
+  </p:timing>
 </p:sld>
 </file>
 
@@ -6839,7 +6909,7 @@
         <p:spPr>
           <a:xfrm>
             <a:off x="2093927" y="5801192"/>
-            <a:ext cx="6163290" cy="369332"/>
+            <a:ext cx="2494594" cy="369332"/>
           </a:xfrm>
           <a:prstGeom prst="rect">
             <a:avLst/>
@@ -6859,7 +6929,7 @@
           <a:p>
             <a:r>
               <a:rPr lang="en-US" dirty="0" smtClean="0"/>
-              <a:t>Rating of the bar + evolution of the rating (using HTML5 canvas)</a:t>
+              <a:t>Users that are at this bar</a:t>
             </a:r>
             <a:endParaRPr lang="en-US" dirty="0"/>
           </a:p>
@@ -6873,8 +6943,8 @@
         </p:nvSpPr>
         <p:spPr>
           <a:xfrm>
-            <a:off x="2809149" y="1032953"/>
-            <a:ext cx="2982052" cy="865120"/>
+            <a:off x="981033" y="2349135"/>
+            <a:ext cx="1845294" cy="865120"/>
           </a:xfrm>
           <a:prstGeom prst="rect">
             <a:avLst/>
@@ -6903,13 +6973,15 @@
       <p:cxnSp>
         <p:nvCxnSpPr>
           <p:cNvPr id="7" name="Straight Arrow Connector 6"/>
-          <p:cNvCxnSpPr/>
+          <p:cNvCxnSpPr>
+            <a:stCxn id="6" idx="2"/>
+          </p:cNvCxnSpPr>
           <p:nvPr/>
         </p:nvCxnSpPr>
         <p:spPr>
-          <a:xfrm flipH="1">
-            <a:off x="3769807" y="1898073"/>
-            <a:ext cx="386557" cy="3898123"/>
+          <a:xfrm>
+            <a:off x="1903680" y="3214255"/>
+            <a:ext cx="1866128" cy="2581941"/>
           </a:xfrm>
           <a:prstGeom prst="straightConnector1">
             <a:avLst/>
@@ -6939,13 +7011,20 @@
     </p:spTree>
     <p:extLst>
       <p:ext uri="{BB962C8B-B14F-4D97-AF65-F5344CB8AC3E}">
-        <p14:creationId xmlns:p14="http://schemas.microsoft.com/office/powerpoint/2010/main" val="3207049804"/>
+        <p14:creationId xmlns:p14="http://schemas.microsoft.com/office/powerpoint/2010/main" val="3453632662"/>
       </p:ext>
     </p:extLst>
   </p:cSld>
   <p:clrMapOvr>
     <a:masterClrMapping/>
   </p:clrMapOvr>
+  <p:timing>
+    <p:tnLst>
+      <p:par>
+        <p:cTn xmlns:p14="http://schemas.microsoft.com/office/powerpoint/2010/main" id="1" dur="indefinite" restart="never" nodeType="tmRoot"/>
+      </p:par>
+    </p:tnLst>
+  </p:timing>
 </p:sld>
 </file>
 
@@ -6968,14 +7047,16 @@
       </p:grpSpPr>
       <p:sp>
         <p:nvSpPr>
-          <p:cNvPr id="2" name="Shape 31"/>
-          <p:cNvSpPr/>
-          <p:nvPr/>
-        </p:nvSpPr>
-        <p:spPr>
-          <a:xfrm>
-            <a:off x="803563" y="853980"/>
-            <a:ext cx="7171019" cy="4466165"/>
+          <p:cNvPr id="2" name="Shape 63"/>
+          <p:cNvSpPr>
+            <a:spLocks noChangeAspect="1"/>
+          </p:cNvSpPr>
+          <p:nvPr/>
+        </p:nvSpPr>
+        <p:spPr>
+          <a:xfrm rot="5400000">
+            <a:off x="1937603" y="-362055"/>
+            <a:ext cx="5077229" cy="6980289"/>
           </a:xfrm>
           <a:prstGeom prst="rect">
             <a:avLst/>
@@ -6993,49 +7074,14 @@
       </p:sp>
       <p:sp>
         <p:nvSpPr>
-          <p:cNvPr id="5" name="TextBox 4"/>
-          <p:cNvSpPr txBox="1"/>
-          <p:nvPr/>
-        </p:nvSpPr>
-        <p:spPr>
-          <a:xfrm>
-            <a:off x="2093927" y="5801192"/>
-            <a:ext cx="2494594" cy="369332"/>
-          </a:xfrm>
-          <a:prstGeom prst="rect">
-            <a:avLst/>
-          </a:prstGeom>
-          <a:noFill/>
-          <a:ln>
-            <a:solidFill>
-              <a:schemeClr val="tx1"/>
-            </a:solidFill>
-          </a:ln>
-        </p:spPr>
-        <p:txBody>
-          <a:bodyPr wrap="none" rtlCol="0">
-            <a:spAutoFit/>
-          </a:bodyPr>
-          <a:lstStyle/>
-          <a:p>
-            <a:r>
-              <a:rPr lang="en-US" dirty="0" smtClean="0"/>
-              <a:t>Users that are at this bar</a:t>
-            </a:r>
-            <a:endParaRPr lang="en-US" dirty="0"/>
-          </a:p>
-        </p:txBody>
-      </p:sp>
-      <p:sp>
-        <p:nvSpPr>
-          <p:cNvPr id="6" name="Shape 32"/>
+          <p:cNvPr id="3" name="Shape 32"/>
           <p:cNvSpPr/>
           <p:nvPr/>
         </p:nvSpPr>
         <p:spPr>
           <a:xfrm>
-            <a:off x="981033" y="2349135"/>
-            <a:ext cx="1845294" cy="865120"/>
+            <a:off x="1410524" y="700444"/>
+            <a:ext cx="2668320" cy="504901"/>
           </a:xfrm>
           <a:prstGeom prst="rect">
             <a:avLst/>
@@ -7063,16 +7109,14 @@
       </p:sp>
       <p:cxnSp>
         <p:nvCxnSpPr>
-          <p:cNvPr id="7" name="Straight Arrow Connector 6"/>
-          <p:cNvCxnSpPr>
-            <a:stCxn id="6" idx="2"/>
-          </p:cNvCxnSpPr>
+          <p:cNvPr id="4" name="Straight Arrow Connector 3"/>
+          <p:cNvCxnSpPr/>
           <p:nvPr/>
         </p:nvCxnSpPr>
         <p:spPr>
           <a:xfrm>
-            <a:off x="1903680" y="3214255"/>
-            <a:ext cx="1866128" cy="2581941"/>
+            <a:off x="3837709" y="1205345"/>
+            <a:ext cx="3103418" cy="4599710"/>
           </a:xfrm>
           <a:prstGeom prst="straightConnector1">
             <a:avLst/>
@@ -7099,16 +7143,62 @@
           </a:fontRef>
         </p:style>
       </p:cxnSp>
+      <p:sp>
+        <p:nvSpPr>
+          <p:cNvPr id="6" name="TextBox 5"/>
+          <p:cNvSpPr txBox="1"/>
+          <p:nvPr/>
+        </p:nvSpPr>
+        <p:spPr>
+          <a:xfrm>
+            <a:off x="1519811" y="5791201"/>
+            <a:ext cx="7083862" cy="369332"/>
+          </a:xfrm>
+          <a:prstGeom prst="rect">
+            <a:avLst/>
+          </a:prstGeom>
+          <a:noFill/>
+          <a:ln>
+            <a:solidFill>
+              <a:schemeClr val="tx1"/>
+            </a:solidFill>
+          </a:ln>
+        </p:spPr>
+        <p:txBody>
+          <a:bodyPr wrap="none" rtlCol="0">
+            <a:spAutoFit/>
+          </a:bodyPr>
+          <a:lstStyle/>
+          <a:p>
+            <a:r>
+              <a:rPr lang="en-US" dirty="0" smtClean="0"/>
+              <a:t>Search bars by location. Location field is filled in using HTML5 </a:t>
+            </a:r>
+            <a:r>
+              <a:rPr lang="en-US" dirty="0" err="1" smtClean="0"/>
+              <a:t>geolocation</a:t>
+            </a:r>
+            <a:endParaRPr lang="en-US" dirty="0"/>
+          </a:p>
+        </p:txBody>
+      </p:sp>
     </p:spTree>
     <p:extLst>
       <p:ext uri="{BB962C8B-B14F-4D97-AF65-F5344CB8AC3E}">
-        <p14:creationId xmlns:p14="http://schemas.microsoft.com/office/powerpoint/2010/main" val="3453632662"/>
+        <p14:creationId xmlns:p14="http://schemas.microsoft.com/office/powerpoint/2010/main" val="3540923221"/>
       </p:ext>
     </p:extLst>
   </p:cSld>
   <p:clrMapOvr>
     <a:masterClrMapping/>
   </p:clrMapOvr>
+  <p:timing>
+    <p:tnLst>
+      <p:par>
+        <p:cTn xmlns:p14="http://schemas.microsoft.com/office/powerpoint/2010/main" id="1" dur="indefinite" restart="never" nodeType="tmRoot"/>
+      </p:par>
+    </p:tnLst>
+  </p:timing>
 </p:sld>
 </file>
 
@@ -7139,7 +7229,7 @@
         </p:nvSpPr>
         <p:spPr>
           <a:xfrm rot="5400000">
-            <a:off x="1937603" y="-362055"/>
+            <a:off x="1937603" y="-362057"/>
             <a:ext cx="5077229" cy="6980289"/>
           </a:xfrm>
           <a:prstGeom prst="rect">
@@ -7164,8 +7254,8 @@
         </p:nvSpPr>
         <p:spPr>
           <a:xfrm>
-            <a:off x="1410524" y="700444"/>
-            <a:ext cx="2668320" cy="504901"/>
+            <a:off x="1507506" y="1171499"/>
+            <a:ext cx="2842822" cy="3746865"/>
           </a:xfrm>
           <a:prstGeom prst="rect">
             <a:avLst/>
@@ -7199,8 +7289,8 @@
         </p:nvCxnSpPr>
         <p:spPr>
           <a:xfrm>
-            <a:off x="3837709" y="1205345"/>
-            <a:ext cx="3103418" cy="4599710"/>
+            <a:off x="4350328" y="2798618"/>
+            <a:ext cx="647699" cy="2683418"/>
           </a:xfrm>
           <a:prstGeom prst="straightConnector1">
             <a:avLst/>
@@ -7229,14 +7319,14 @@
       </p:cxnSp>
       <p:sp>
         <p:nvSpPr>
-          <p:cNvPr id="6" name="TextBox 5"/>
+          <p:cNvPr id="7" name="TextBox 6"/>
           <p:cNvSpPr txBox="1"/>
           <p:nvPr/>
         </p:nvSpPr>
         <p:spPr>
           <a:xfrm>
-            <a:off x="1519811" y="5791201"/>
-            <a:ext cx="7083862" cy="369332"/>
+            <a:off x="2521387" y="5482036"/>
+            <a:ext cx="3909660" cy="369332"/>
           </a:xfrm>
           <a:prstGeom prst="rect">
             <a:avLst/>
@@ -7256,11 +7346,15 @@
           <a:p>
             <a:r>
               <a:rPr lang="en-US" dirty="0" smtClean="0"/>
-              <a:t>Search bars by location. Location field is filled in using HTML5 </a:t>
+              <a:t>Use </a:t>
             </a:r>
             <a:r>
               <a:rPr lang="en-US" dirty="0" err="1" smtClean="0"/>
-              <a:t>geolocation</a:t>
+              <a:t>google</a:t>
+            </a:r>
+            <a:r>
+              <a:rPr lang="en-US" dirty="0" smtClean="0"/>
+              <a:t> maps to visualize the results</a:t>
             </a:r>
             <a:endParaRPr lang="en-US" dirty="0"/>
           </a:p>
@@ -7269,13 +7363,20 @@
     </p:spTree>
     <p:extLst>
       <p:ext uri="{BB962C8B-B14F-4D97-AF65-F5344CB8AC3E}">
-        <p14:creationId xmlns:p14="http://schemas.microsoft.com/office/powerpoint/2010/main" val="3540923221"/>
+        <p14:creationId xmlns:p14="http://schemas.microsoft.com/office/powerpoint/2010/main" val="670431186"/>
       </p:ext>
     </p:extLst>
   </p:cSld>
   <p:clrMapOvr>
     <a:masterClrMapping/>
   </p:clrMapOvr>
+  <p:timing>
+    <p:tnLst>
+      <p:par>
+        <p:cTn xmlns:p14="http://schemas.microsoft.com/office/powerpoint/2010/main" id="1" dur="indefinite" restart="never" nodeType="tmRoot"/>
+      </p:par>
+    </p:tnLst>
+  </p:timing>
 </p:sld>
 </file>
 
@@ -7296,107 +7397,77 @@
           <a:chExt cx="0" cy="0"/>
         </a:xfrm>
       </p:grpSpPr>
-      <p:sp>
-        <p:nvSpPr>
-          <p:cNvPr id="2" name="Title 1"/>
-          <p:cNvSpPr>
-            <a:spLocks noGrp="1"/>
-          </p:cNvSpPr>
-          <p:nvPr>
-            <p:ph type="title"/>
-          </p:nvPr>
-        </p:nvSpPr>
-        <p:spPr/>
-        <p:txBody>
-          <a:bodyPr/>
-          <a:lstStyle/>
-          <a:p>
-            <a:r>
-              <a:rPr lang="en-US" dirty="0" smtClean="0"/>
-              <a:t>General idea</a:t>
-            </a:r>
-            <a:endParaRPr lang="en-US" dirty="0"/>
-          </a:p>
-        </p:txBody>
-      </p:sp>
-      <p:sp>
-        <p:nvSpPr>
-          <p:cNvPr id="5" name="TextBox 4"/>
-          <p:cNvSpPr txBox="1"/>
-          <p:nvPr/>
-        </p:nvSpPr>
-        <p:spPr>
-          <a:xfrm>
-            <a:off x="2648856" y="2957285"/>
-            <a:ext cx="2612573" cy="369332"/>
-          </a:xfrm>
-          <a:prstGeom prst="rect">
-            <a:avLst/>
-          </a:prstGeom>
-          <a:noFill/>
-        </p:spPr>
-        <p:txBody>
-          <a:bodyPr wrap="square" rtlCol="0">
-            <a:spAutoFit/>
-          </a:bodyPr>
-          <a:lstStyle/>
-          <a:p>
-            <a:r>
-              <a:rPr lang="en-US" dirty="0" smtClean="0"/>
-              <a:t>Buddies</a:t>
-            </a:r>
-            <a:endParaRPr lang="en-US" dirty="0"/>
-          </a:p>
-        </p:txBody>
-      </p:sp>
-      <p:sp>
-        <p:nvSpPr>
-          <p:cNvPr id="6" name="Rectangle 5"/>
-          <p:cNvSpPr/>
-          <p:nvPr/>
-        </p:nvSpPr>
-        <p:spPr>
-          <a:xfrm>
-            <a:off x="5442857" y="4154714"/>
-            <a:ext cx="2177143" cy="1052286"/>
-          </a:xfrm>
-          <a:prstGeom prst="rect">
-            <a:avLst/>
-          </a:prstGeom>
-        </p:spPr>
-        <p:style>
-          <a:lnRef idx="1">
-            <a:schemeClr val="accent1"/>
-          </a:lnRef>
-          <a:fillRef idx="3">
-            <a:schemeClr val="accent1"/>
-          </a:fillRef>
-          <a:effectRef idx="2">
-            <a:schemeClr val="accent1"/>
-          </a:effectRef>
-          <a:fontRef idx="minor">
-            <a:schemeClr val="lt1"/>
-          </a:fontRef>
-        </p:style>
-        <p:txBody>
-          <a:bodyPr rtlCol="0" anchor="ctr"/>
-          <a:lstStyle/>
-          <a:p>
-            <a:pPr algn="ctr"/>
-            <a:endParaRPr lang="en-US"/>
-          </a:p>
-        </p:txBody>
-      </p:sp>
+      <p:pic>
+        <p:nvPicPr>
+          <p:cNvPr id="4" name="Picture 3" descr="start-page.gif"/>
+          <p:cNvPicPr>
+            <a:picLocks noChangeAspect="1"/>
+          </p:cNvPicPr>
+          <p:nvPr/>
+        </p:nvPicPr>
+        <p:blipFill>
+          <a:blip r:embed="rId2">
+            <a:extLst>
+              <a:ext uri="{28A0092B-C50C-407E-A947-70E740481C1C}">
+                <a14:useLocalDpi xmlns:a14="http://schemas.microsoft.com/office/drawing/2010/main" val="0"/>
+              </a:ext>
+            </a:extLst>
+          </a:blip>
+          <a:stretch>
+            <a:fillRect/>
+          </a:stretch>
+        </p:blipFill>
+        <p:spPr>
+          <a:xfrm>
+            <a:off x="1066800" y="1524000"/>
+            <a:ext cx="6997700" cy="3797300"/>
+          </a:xfrm>
+          <a:prstGeom prst="rect">
+            <a:avLst/>
+          </a:prstGeom>
+        </p:spPr>
+      </p:pic>
+      <p:pic>
+        <p:nvPicPr>
+          <p:cNvPr id="10" name="Picture 9"/>
+          <p:cNvPicPr>
+            <a:picLocks noChangeAspect="1"/>
+          </p:cNvPicPr>
+          <p:nvPr/>
+        </p:nvPicPr>
+        <p:blipFill>
+          <a:blip r:embed="rId3"/>
+          <a:stretch>
+            <a:fillRect/>
+          </a:stretch>
+        </p:blipFill>
+        <p:spPr>
+          <a:xfrm>
+            <a:off x="4191000" y="3378200"/>
+            <a:ext cx="749300" cy="88900"/>
+          </a:xfrm>
+          <a:prstGeom prst="rect">
+            <a:avLst/>
+          </a:prstGeom>
+        </p:spPr>
+      </p:pic>
     </p:spTree>
     <p:extLst>
       <p:ext uri="{BB962C8B-B14F-4D97-AF65-F5344CB8AC3E}">
-        <p14:creationId xmlns:p14="http://schemas.microsoft.com/office/powerpoint/2010/main" val="1726462002"/>
+        <p14:creationId xmlns:p14="http://schemas.microsoft.com/office/powerpoint/2010/main" val="2897536889"/>
       </p:ext>
     </p:extLst>
   </p:cSld>
   <p:clrMapOvr>
     <a:masterClrMapping/>
   </p:clrMapOvr>
+  <p:timing>
+    <p:tnLst>
+      <p:par>
+        <p:cTn xmlns:p14="http://schemas.microsoft.com/office/powerpoint/2010/main" id="1" dur="indefinite" restart="never" nodeType="tmRoot"/>
+      </p:par>
+    </p:tnLst>
+  </p:timing>
 </p:sld>
 </file>
 
@@ -7419,16 +7490,14 @@
       </p:grpSpPr>
       <p:sp>
         <p:nvSpPr>
-          <p:cNvPr id="2" name="Shape 63"/>
-          <p:cNvSpPr>
-            <a:spLocks noChangeAspect="1"/>
-          </p:cNvSpPr>
-          <p:nvPr/>
-        </p:nvSpPr>
-        <p:spPr>
-          <a:xfrm rot="5400000">
-            <a:off x="1937603" y="-362057"/>
-            <a:ext cx="5077229" cy="6980289"/>
+          <p:cNvPr id="2" name="Shape 71"/>
+          <p:cNvSpPr/>
+          <p:nvPr/>
+        </p:nvSpPr>
+        <p:spPr>
+          <a:xfrm rot="-5400000">
+            <a:off x="1609565" y="-454760"/>
+            <a:ext cx="4958915" cy="7034240"/>
           </a:xfrm>
           <a:prstGeom prst="rect">
             <a:avLst/>
@@ -7446,14 +7515,49 @@
       </p:sp>
       <p:sp>
         <p:nvSpPr>
-          <p:cNvPr id="3" name="Shape 32"/>
+          <p:cNvPr id="6" name="TextBox 5"/>
+          <p:cNvSpPr txBox="1"/>
+          <p:nvPr/>
+        </p:nvSpPr>
+        <p:spPr>
+          <a:xfrm>
+            <a:off x="1612035" y="5883734"/>
+            <a:ext cx="4063420" cy="369332"/>
+          </a:xfrm>
+          <a:prstGeom prst="rect">
+            <a:avLst/>
+          </a:prstGeom>
+          <a:noFill/>
+          <a:ln>
+            <a:solidFill>
+              <a:schemeClr val="tx1"/>
+            </a:solidFill>
+          </a:ln>
+        </p:spPr>
+        <p:txBody>
+          <a:bodyPr wrap="none" rtlCol="0">
+            <a:spAutoFit/>
+          </a:bodyPr>
+          <a:lstStyle/>
+          <a:p>
+            <a:r>
+              <a:rPr lang="en-US" dirty="0" smtClean="0"/>
+              <a:t>Friends are imported using Facebook API </a:t>
+            </a:r>
+            <a:endParaRPr lang="en-US" dirty="0"/>
+          </a:p>
+        </p:txBody>
+      </p:sp>
+      <p:sp>
+        <p:nvSpPr>
+          <p:cNvPr id="7" name="Shape 32"/>
           <p:cNvSpPr/>
           <p:nvPr/>
         </p:nvSpPr>
         <p:spPr>
           <a:xfrm>
-            <a:off x="1507506" y="1171499"/>
-            <a:ext cx="2842822" cy="3746865"/>
+            <a:off x="3643745" y="1725679"/>
+            <a:ext cx="1488044" cy="504901"/>
           </a:xfrm>
           <a:prstGeom prst="rect">
             <a:avLst/>
@@ -7481,14 +7585,14 @@
       </p:sp>
       <p:cxnSp>
         <p:nvCxnSpPr>
-          <p:cNvPr id="4" name="Straight Arrow Connector 3"/>
+          <p:cNvPr id="8" name="Straight Arrow Connector 7"/>
           <p:cNvCxnSpPr/>
           <p:nvPr/>
         </p:nvCxnSpPr>
         <p:spPr>
           <a:xfrm>
-            <a:off x="4350328" y="2798618"/>
-            <a:ext cx="647699" cy="2683418"/>
+            <a:off x="4890654" y="2230580"/>
+            <a:ext cx="1953491" cy="3126572"/>
           </a:xfrm>
           <a:prstGeom prst="straightConnector1">
             <a:avLst/>
@@ -7517,14 +7621,14 @@
       </p:cxnSp>
       <p:sp>
         <p:nvSpPr>
-          <p:cNvPr id="7" name="TextBox 6"/>
+          <p:cNvPr id="9" name="TextBox 8"/>
           <p:cNvSpPr txBox="1"/>
           <p:nvPr/>
         </p:nvSpPr>
         <p:spPr>
           <a:xfrm>
-            <a:off x="2521387" y="5482036"/>
-            <a:ext cx="3909660" cy="369332"/>
+            <a:off x="5496131" y="5357152"/>
+            <a:ext cx="2696028" cy="369332"/>
           </a:xfrm>
           <a:prstGeom prst="rect">
             <a:avLst/>
@@ -7537,22 +7641,14 @@
           </a:ln>
         </p:spPr>
         <p:txBody>
-          <a:bodyPr wrap="none" rtlCol="0">
+          <a:bodyPr wrap="square" rtlCol="0">
             <a:spAutoFit/>
           </a:bodyPr>
           <a:lstStyle/>
           <a:p>
             <a:r>
               <a:rPr lang="en-US" dirty="0" smtClean="0"/>
-              <a:t>Use </a:t>
-            </a:r>
-            <a:r>
-              <a:rPr lang="en-US" dirty="0" err="1" smtClean="0"/>
-              <a:t>google</a:t>
-            </a:r>
-            <a:r>
-              <a:rPr lang="en-US" dirty="0" smtClean="0"/>
-              <a:t> maps to visualize the results</a:t>
+              <a:t>Friends location is shared</a:t>
             </a:r>
             <a:endParaRPr lang="en-US" dirty="0"/>
           </a:p>
@@ -7561,13 +7657,20 @@
     </p:spTree>
     <p:extLst>
       <p:ext uri="{BB962C8B-B14F-4D97-AF65-F5344CB8AC3E}">
-        <p14:creationId xmlns:p14="http://schemas.microsoft.com/office/powerpoint/2010/main" val="670431186"/>
+        <p14:creationId xmlns:p14="http://schemas.microsoft.com/office/powerpoint/2010/main" val="1069692700"/>
       </p:ext>
     </p:extLst>
   </p:cSld>
   <p:clrMapOvr>
     <a:masterClrMapping/>
   </p:clrMapOvr>
+  <p:timing>
+    <p:tnLst>
+      <p:par>
+        <p:cTn xmlns:p14="http://schemas.microsoft.com/office/powerpoint/2010/main" id="1" dur="indefinite" restart="never" nodeType="tmRoot"/>
+      </p:par>
+    </p:tnLst>
+  </p:timing>
 </p:sld>
 </file>
 
@@ -7590,14 +7693,16 @@
       </p:grpSpPr>
       <p:sp>
         <p:nvSpPr>
-          <p:cNvPr id="2" name="Shape 71"/>
-          <p:cNvSpPr/>
+          <p:cNvPr id="4" name="Shape 79"/>
+          <p:cNvSpPr>
+            <a:spLocks noChangeAspect="1"/>
+          </p:cNvSpPr>
           <p:nvPr/>
         </p:nvSpPr>
         <p:spPr>
           <a:xfrm rot="-5400000">
-            <a:off x="1609565" y="-454760"/>
-            <a:ext cx="4958915" cy="7034240"/>
+            <a:off x="1618108" y="-434607"/>
+            <a:ext cx="5324998" cy="7321351"/>
           </a:xfrm>
           <a:prstGeom prst="rect">
             <a:avLst/>
@@ -7621,8 +7726,8 @@
         </p:nvSpPr>
         <p:spPr>
           <a:xfrm>
-            <a:off x="1612035" y="5883734"/>
-            <a:ext cx="4063420" cy="369332"/>
+            <a:off x="2467899" y="5731997"/>
+            <a:ext cx="2601418" cy="369332"/>
           </a:xfrm>
           <a:prstGeom prst="rect">
             <a:avLst/>
@@ -7642,113 +7747,7 @@
           <a:p>
             <a:r>
               <a:rPr lang="en-US" dirty="0" smtClean="0"/>
-              <a:t>Friends are imported using Facebook API </a:t>
-            </a:r>
-            <a:endParaRPr lang="en-US" dirty="0"/>
-          </a:p>
-        </p:txBody>
-      </p:sp>
-      <p:sp>
-        <p:nvSpPr>
-          <p:cNvPr id="7" name="Shape 32"/>
-          <p:cNvSpPr/>
-          <p:nvPr/>
-        </p:nvSpPr>
-        <p:spPr>
-          <a:xfrm>
-            <a:off x="3643745" y="1725679"/>
-            <a:ext cx="1488044" cy="504901"/>
-          </a:xfrm>
-          <a:prstGeom prst="rect">
-            <a:avLst/>
-          </a:prstGeom>
-          <a:noFill/>
-          <a:ln w="19050" cap="flat">
-            <a:solidFill>
-              <a:srgbClr val="FF0000"/>
-            </a:solidFill>
-            <a:prstDash val="solid"/>
-            <a:round/>
-            <a:headEnd type="none" w="med" len="med"/>
-            <a:tailEnd type="none" w="med" len="med"/>
-          </a:ln>
-        </p:spPr>
-        <p:txBody>
-          <a:bodyPr lIns="91425" tIns="91425" rIns="91425" bIns="91425" anchor="ctr" anchorCtr="0">
-            <a:noAutofit/>
-          </a:bodyPr>
-          <a:lstStyle/>
-          <a:p>
-            <a:endParaRPr/>
-          </a:p>
-        </p:txBody>
-      </p:sp>
-      <p:cxnSp>
-        <p:nvCxnSpPr>
-          <p:cNvPr id="8" name="Straight Arrow Connector 7"/>
-          <p:cNvCxnSpPr/>
-          <p:nvPr/>
-        </p:nvCxnSpPr>
-        <p:spPr>
-          <a:xfrm>
-            <a:off x="4890654" y="2230580"/>
-            <a:ext cx="1953491" cy="3126572"/>
-          </a:xfrm>
-          <a:prstGeom prst="straightConnector1">
-            <a:avLst/>
-          </a:prstGeom>
-          <a:ln>
-            <a:solidFill>
-              <a:srgbClr val="FF0000"/>
-            </a:solidFill>
-            <a:tailEnd type="arrow"/>
-          </a:ln>
-        </p:spPr>
-        <p:style>
-          <a:lnRef idx="2">
-            <a:schemeClr val="accent1"/>
-          </a:lnRef>
-          <a:fillRef idx="0">
-            <a:schemeClr val="accent1"/>
-          </a:fillRef>
-          <a:effectRef idx="1">
-            <a:schemeClr val="accent1"/>
-          </a:effectRef>
-          <a:fontRef idx="minor">
-            <a:schemeClr val="tx1"/>
-          </a:fontRef>
-        </p:style>
-      </p:cxnSp>
-      <p:sp>
-        <p:nvSpPr>
-          <p:cNvPr id="9" name="TextBox 8"/>
-          <p:cNvSpPr txBox="1"/>
-          <p:nvPr/>
-        </p:nvSpPr>
-        <p:spPr>
-          <a:xfrm>
-            <a:off x="5496131" y="5357152"/>
-            <a:ext cx="2696028" cy="369332"/>
-          </a:xfrm>
-          <a:prstGeom prst="rect">
-            <a:avLst/>
-          </a:prstGeom>
-          <a:noFill/>
-          <a:ln>
-            <a:solidFill>
-              <a:schemeClr val="tx1"/>
-            </a:solidFill>
-          </a:ln>
-        </p:spPr>
-        <p:txBody>
-          <a:bodyPr wrap="square" rtlCol="0">
-            <a:spAutoFit/>
-          </a:bodyPr>
-          <a:lstStyle/>
-          <a:p>
-            <a:r>
-              <a:rPr lang="en-US" dirty="0" smtClean="0"/>
-              <a:t>Friends location is shared</a:t>
+              <a:t>Search friends by location</a:t>
             </a:r>
             <a:endParaRPr lang="en-US" dirty="0"/>
           </a:p>
@@ -7757,13 +7756,20 @@
     </p:spTree>
     <p:extLst>
       <p:ext uri="{BB962C8B-B14F-4D97-AF65-F5344CB8AC3E}">
-        <p14:creationId xmlns:p14="http://schemas.microsoft.com/office/powerpoint/2010/main" val="1069692700"/>
+        <p14:creationId xmlns:p14="http://schemas.microsoft.com/office/powerpoint/2010/main" val="1399914148"/>
       </p:ext>
     </p:extLst>
   </p:cSld>
   <p:clrMapOvr>
     <a:masterClrMapping/>
   </p:clrMapOvr>
+  <p:timing>
+    <p:tnLst>
+      <p:par>
+        <p:cTn xmlns:p14="http://schemas.microsoft.com/office/powerpoint/2010/main" id="1" dur="indefinite" restart="never" nodeType="tmRoot"/>
+      </p:par>
+    </p:tnLst>
+  </p:timing>
 </p:sld>
 </file>
 
@@ -7786,76 +7792,92 @@
       </p:grpSpPr>
       <p:sp>
         <p:nvSpPr>
-          <p:cNvPr id="4" name="Shape 79"/>
+          <p:cNvPr id="2" name="Title 1"/>
           <p:cNvSpPr>
-            <a:spLocks noChangeAspect="1"/>
+            <a:spLocks noGrp="1"/>
           </p:cNvSpPr>
-          <p:nvPr/>
-        </p:nvSpPr>
-        <p:spPr>
-          <a:xfrm rot="-5400000">
-            <a:off x="1618108" y="-434607"/>
-            <a:ext cx="5324998" cy="7321351"/>
-          </a:xfrm>
-          <a:prstGeom prst="rect">
-            <a:avLst/>
-          </a:prstGeom>
-          <a:blipFill>
-            <a:blip r:embed="rId2"/>
-            <a:stretch>
-              <a:fillRect/>
-            </a:stretch>
-          </a:blipFill>
-          <a:ln>
-            <a:noFill/>
-          </a:ln>
-        </p:spPr>
-      </p:sp>
-      <p:sp>
-        <p:nvSpPr>
-          <p:cNvPr id="6" name="TextBox 5"/>
-          <p:cNvSpPr txBox="1"/>
-          <p:nvPr/>
-        </p:nvSpPr>
-        <p:spPr>
-          <a:xfrm>
-            <a:off x="2467899" y="5731997"/>
-            <a:ext cx="2601418" cy="369332"/>
-          </a:xfrm>
-          <a:prstGeom prst="rect">
-            <a:avLst/>
-          </a:prstGeom>
-          <a:noFill/>
-          <a:ln>
-            <a:solidFill>
-              <a:schemeClr val="tx1"/>
-            </a:solidFill>
-          </a:ln>
-        </p:spPr>
-        <p:txBody>
-          <a:bodyPr wrap="none" rtlCol="0">
-            <a:spAutoFit/>
-          </a:bodyPr>
+          <p:nvPr>
+            <p:ph type="title"/>
+          </p:nvPr>
+        </p:nvSpPr>
+        <p:spPr/>
+        <p:txBody>
+          <a:bodyPr/>
           <a:lstStyle/>
           <a:p>
             <a:r>
               <a:rPr lang="en-US" dirty="0" smtClean="0"/>
-              <a:t>Search friends by location</a:t>
+              <a:t>Publishing data as a WS</a:t>
             </a:r>
             <a:endParaRPr lang="en-US" dirty="0"/>
+          </a:p>
+        </p:txBody>
+      </p:sp>
+      <p:sp>
+        <p:nvSpPr>
+          <p:cNvPr id="3" name="Content Placeholder 2"/>
+          <p:cNvSpPr>
+            <a:spLocks noGrp="1"/>
+          </p:cNvSpPr>
+          <p:nvPr>
+            <p:ph idx="1"/>
+          </p:nvPr>
+        </p:nvSpPr>
+        <p:spPr/>
+        <p:txBody>
+          <a:bodyPr/>
+          <a:lstStyle/>
+          <a:p>
+            <a:r>
+              <a:rPr lang="en-US" dirty="0" smtClean="0"/>
+              <a:t>We will provide a </a:t>
+            </a:r>
+            <a:r>
+              <a:rPr lang="en-US" dirty="0" err="1" smtClean="0"/>
+              <a:t>RESTful</a:t>
+            </a:r>
+            <a:r>
+              <a:rPr lang="en-US" dirty="0" smtClean="0"/>
+              <a:t> interface for:</a:t>
+            </a:r>
+          </a:p>
+          <a:p>
+            <a:pPr lvl="1"/>
+            <a:r>
+              <a:rPr lang="en-US" dirty="0" smtClean="0"/>
+              <a:t>our bars and their reviews </a:t>
+            </a:r>
+          </a:p>
+          <a:p>
+            <a:pPr lvl="1"/>
+            <a:r>
+              <a:rPr lang="en-US" dirty="0"/>
+              <a:t>o</a:t>
+            </a:r>
+            <a:r>
+              <a:rPr lang="en-US" dirty="0" smtClean="0"/>
+              <a:t>ur beer reviews</a:t>
+            </a:r>
           </a:p>
         </p:txBody>
       </p:sp>
     </p:spTree>
     <p:extLst>
       <p:ext uri="{BB962C8B-B14F-4D97-AF65-F5344CB8AC3E}">
-        <p14:creationId xmlns:p14="http://schemas.microsoft.com/office/powerpoint/2010/main" val="1399914148"/>
+        <p14:creationId xmlns:p14="http://schemas.microsoft.com/office/powerpoint/2010/main" val="1830172242"/>
       </p:ext>
     </p:extLst>
   </p:cSld>
   <p:clrMapOvr>
     <a:masterClrMapping/>
   </p:clrMapOvr>
+  <p:timing>
+    <p:tnLst>
+      <p:par>
+        <p:cTn xmlns:p14="http://schemas.microsoft.com/office/powerpoint/2010/main" id="1" dur="indefinite" restart="never" nodeType="tmRoot"/>
+      </p:par>
+    </p:tnLst>
+  </p:timing>
 </p:sld>
 </file>
 
@@ -7893,114 +7915,6 @@
           <a:p>
             <a:r>
               <a:rPr lang="en-US" dirty="0" smtClean="0"/>
-              <a:t>Publishing data as a WS</a:t>
-            </a:r>
-            <a:endParaRPr lang="en-US" dirty="0"/>
-          </a:p>
-        </p:txBody>
-      </p:sp>
-      <p:sp>
-        <p:nvSpPr>
-          <p:cNvPr id="3" name="Content Placeholder 2"/>
-          <p:cNvSpPr>
-            <a:spLocks noGrp="1"/>
-          </p:cNvSpPr>
-          <p:nvPr>
-            <p:ph idx="1"/>
-          </p:nvPr>
-        </p:nvSpPr>
-        <p:spPr/>
-        <p:txBody>
-          <a:bodyPr/>
-          <a:lstStyle/>
-          <a:p>
-            <a:r>
-              <a:rPr lang="en-US" dirty="0" smtClean="0"/>
-              <a:t>We will provide a </a:t>
-            </a:r>
-            <a:r>
-              <a:rPr lang="en-US" dirty="0" err="1" smtClean="0"/>
-              <a:t>RESTful</a:t>
-            </a:r>
-            <a:r>
-              <a:rPr lang="en-US" dirty="0" smtClean="0"/>
-              <a:t> interface for:</a:t>
-            </a:r>
-          </a:p>
-          <a:p>
-            <a:pPr lvl="1"/>
-            <a:r>
-              <a:rPr lang="en-US" dirty="0" smtClean="0"/>
-              <a:t>our bars and their reviews </a:t>
-            </a:r>
-          </a:p>
-          <a:p>
-            <a:pPr lvl="1"/>
-            <a:r>
-              <a:rPr lang="en-US" dirty="0"/>
-              <a:t>o</a:t>
-            </a:r>
-            <a:r>
-              <a:rPr lang="en-US" dirty="0" smtClean="0"/>
-              <a:t>ur beer reviews</a:t>
-            </a:r>
-          </a:p>
-        </p:txBody>
-      </p:sp>
-    </p:spTree>
-    <p:extLst>
-      <p:ext uri="{BB962C8B-B14F-4D97-AF65-F5344CB8AC3E}">
-        <p14:creationId xmlns:p14="http://schemas.microsoft.com/office/powerpoint/2010/main" val="1830172242"/>
-      </p:ext>
-    </p:extLst>
-  </p:cSld>
-  <p:clrMapOvr>
-    <a:masterClrMapping/>
-  </p:clrMapOvr>
-  <p:timing>
-    <p:tnLst>
-      <p:par>
-        <p:cTn xmlns:p14="http://schemas.microsoft.com/office/powerpoint/2010/main" id="1" dur="indefinite" restart="never" nodeType="tmRoot"/>
-      </p:par>
-    </p:tnLst>
-  </p:timing>
-</p:sld>
-</file>
-
-<file path=ppt/slides/slide34.xml><?xml version="1.0" encoding="utf-8"?>
-<p:sld xmlns:a="http://schemas.openxmlformats.org/drawingml/2006/main" xmlns:r="http://schemas.openxmlformats.org/officeDocument/2006/relationships" xmlns:p="http://schemas.openxmlformats.org/presentationml/2006/main">
-  <p:cSld>
-    <p:spTree>
-      <p:nvGrpSpPr>
-        <p:cNvPr id="1" name=""/>
-        <p:cNvGrpSpPr/>
-        <p:nvPr/>
-      </p:nvGrpSpPr>
-      <p:grpSpPr>
-        <a:xfrm>
-          <a:off x="0" y="0"/>
-          <a:ext cx="0" cy="0"/>
-          <a:chOff x="0" y="0"/>
-          <a:chExt cx="0" cy="0"/>
-        </a:xfrm>
-      </p:grpSpPr>
-      <p:sp>
-        <p:nvSpPr>
-          <p:cNvPr id="2" name="Title 1"/>
-          <p:cNvSpPr>
-            <a:spLocks noGrp="1"/>
-          </p:cNvSpPr>
-          <p:nvPr>
-            <p:ph type="title"/>
-          </p:nvPr>
-        </p:nvSpPr>
-        <p:spPr/>
-        <p:txBody>
-          <a:bodyPr/>
-          <a:lstStyle/>
-          <a:p>
-            <a:r>
-              <a:rPr lang="en-US" dirty="0" smtClean="0"/>
               <a:t>Technology inventory</a:t>
             </a:r>
             <a:endParaRPr lang="en-US" dirty="0"/>
@@ -8141,7 +8055,7 @@
 </p:sld>
 </file>
 
-<file path=ppt/slides/slide35.xml><?xml version="1.0" encoding="utf-8"?>
+<file path=ppt/slides/slide34.xml><?xml version="1.0" encoding="utf-8"?>
 <p:sld xmlns:a="http://schemas.openxmlformats.org/drawingml/2006/main" xmlns:r="http://schemas.openxmlformats.org/officeDocument/2006/relationships" xmlns:p="http://schemas.openxmlformats.org/presentationml/2006/main">
   <p:cSld>
     <p:spTree>
@@ -8338,6 +8252,128 @@
           </a:prstGeom>
         </p:spPr>
       </p:pic>
+      <p:sp>
+        <p:nvSpPr>
+          <p:cNvPr id="5" name="Rectangle 4"/>
+          <p:cNvSpPr/>
+          <p:nvPr/>
+        </p:nvSpPr>
+        <p:spPr>
+          <a:xfrm>
+            <a:off x="1233312" y="2595043"/>
+            <a:ext cx="2521849" cy="783157"/>
+          </a:xfrm>
+          <a:prstGeom prst="rect">
+            <a:avLst/>
+          </a:prstGeom>
+          <a:solidFill>
+            <a:srgbClr val="FF0000">
+              <a:alpha val="0"/>
+            </a:srgbClr>
+          </a:solidFill>
+          <a:ln>
+            <a:solidFill>
+              <a:srgbClr val="FF0000"/>
+            </a:solidFill>
+          </a:ln>
+        </p:spPr>
+        <p:style>
+          <a:lnRef idx="1">
+            <a:schemeClr val="accent1"/>
+          </a:lnRef>
+          <a:fillRef idx="3">
+            <a:schemeClr val="accent1"/>
+          </a:fillRef>
+          <a:effectRef idx="2">
+            <a:schemeClr val="accent1"/>
+          </a:effectRef>
+          <a:fontRef idx="minor">
+            <a:schemeClr val="lt1"/>
+          </a:fontRef>
+        </p:style>
+        <p:txBody>
+          <a:bodyPr rtlCol="0" anchor="ctr"/>
+          <a:lstStyle/>
+          <a:p>
+            <a:pPr algn="ctr"/>
+            <a:endParaRPr lang="en-US"/>
+          </a:p>
+        </p:txBody>
+      </p:sp>
+      <p:cxnSp>
+        <p:nvCxnSpPr>
+          <p:cNvPr id="7" name="Straight Arrow Connector 6"/>
+          <p:cNvCxnSpPr>
+            <a:stCxn id="5" idx="2"/>
+          </p:cNvCxnSpPr>
+          <p:nvPr/>
+        </p:nvCxnSpPr>
+        <p:spPr>
+          <a:xfrm>
+            <a:off x="2494237" y="3378200"/>
+            <a:ext cx="420309" cy="2195901"/>
+          </a:xfrm>
+          <a:prstGeom prst="straightConnector1">
+            <a:avLst/>
+          </a:prstGeom>
+          <a:ln>
+            <a:solidFill>
+              <a:srgbClr val="FF0000"/>
+            </a:solidFill>
+            <a:tailEnd type="arrow"/>
+          </a:ln>
+        </p:spPr>
+        <p:style>
+          <a:lnRef idx="2">
+            <a:schemeClr val="accent1"/>
+          </a:lnRef>
+          <a:fillRef idx="0">
+            <a:schemeClr val="accent1"/>
+          </a:fillRef>
+          <a:effectRef idx="1">
+            <a:schemeClr val="accent1"/>
+          </a:effectRef>
+          <a:fontRef idx="minor">
+            <a:schemeClr val="tx1"/>
+          </a:fontRef>
+        </p:style>
+      </p:cxnSp>
+      <p:sp>
+        <p:nvSpPr>
+          <p:cNvPr id="9" name="TextBox 8"/>
+          <p:cNvSpPr txBox="1"/>
+          <p:nvPr/>
+        </p:nvSpPr>
+        <p:spPr>
+          <a:xfrm>
+            <a:off x="2914546" y="5574101"/>
+            <a:ext cx="1894989" cy="369332"/>
+          </a:xfrm>
+          <a:prstGeom prst="rect">
+            <a:avLst/>
+          </a:prstGeom>
+          <a:noFill/>
+          <a:ln>
+            <a:solidFill>
+              <a:schemeClr val="tx1"/>
+            </a:solidFill>
+          </a:ln>
+        </p:spPr>
+        <p:txBody>
+          <a:bodyPr wrap="square" rtlCol="0">
+            <a:spAutoFit/>
+          </a:bodyPr>
+          <a:lstStyle/>
+          <a:p>
+            <a:pPr algn="ctr"/>
+            <a:r>
+              <a:rPr lang="en-US" dirty="0" err="1" smtClean="0"/>
+              <a:t>Autocompletion</a:t>
+            </a:r>
+            <a:endParaRPr lang="en-US" dirty="0"/>
+          </a:p>
+        </p:txBody>
+      </p:sp>
       <p:pic>
         <p:nvPicPr>
           <p:cNvPr id="10" name="Picture 9"/>
@@ -8362,10 +8398,96 @@
           </a:prstGeom>
         </p:spPr>
       </p:pic>
+      <p:sp>
+        <p:nvSpPr>
+          <p:cNvPr id="12" name="Rectangle 11"/>
+          <p:cNvSpPr/>
+          <p:nvPr/>
+        </p:nvSpPr>
+        <p:spPr>
+          <a:xfrm>
+            <a:off x="4809535" y="2661175"/>
+            <a:ext cx="2521849" cy="783157"/>
+          </a:xfrm>
+          <a:prstGeom prst="rect">
+            <a:avLst/>
+          </a:prstGeom>
+          <a:solidFill>
+            <a:srgbClr val="FF0000">
+              <a:alpha val="0"/>
+            </a:srgbClr>
+          </a:solidFill>
+          <a:ln>
+            <a:solidFill>
+              <a:srgbClr val="FF0000"/>
+            </a:solidFill>
+          </a:ln>
+        </p:spPr>
+        <p:style>
+          <a:lnRef idx="1">
+            <a:schemeClr val="accent1"/>
+          </a:lnRef>
+          <a:fillRef idx="3">
+            <a:schemeClr val="accent1"/>
+          </a:fillRef>
+          <a:effectRef idx="2">
+            <a:schemeClr val="accent1"/>
+          </a:effectRef>
+          <a:fontRef idx="minor">
+            <a:schemeClr val="lt1"/>
+          </a:fontRef>
+        </p:style>
+        <p:txBody>
+          <a:bodyPr rtlCol="0" anchor="ctr"/>
+          <a:lstStyle/>
+          <a:p>
+            <a:pPr algn="ctr"/>
+            <a:endParaRPr lang="en-US"/>
+          </a:p>
+        </p:txBody>
+      </p:sp>
+      <p:cxnSp>
+        <p:nvCxnSpPr>
+          <p:cNvPr id="13" name="Straight Arrow Connector 12"/>
+          <p:cNvCxnSpPr>
+            <a:stCxn id="12" idx="2"/>
+          </p:cNvCxnSpPr>
+          <p:nvPr/>
+        </p:nvCxnSpPr>
+        <p:spPr>
+          <a:xfrm flipH="1">
+            <a:off x="4809535" y="3444332"/>
+            <a:ext cx="1260925" cy="2129769"/>
+          </a:xfrm>
+          <a:prstGeom prst="straightConnector1">
+            <a:avLst/>
+          </a:prstGeom>
+          <a:ln>
+            <a:solidFill>
+              <a:srgbClr val="FF0000"/>
+            </a:solidFill>
+            <a:tailEnd type="arrow"/>
+          </a:ln>
+        </p:spPr>
+        <p:style>
+          <a:lnRef idx="2">
+            <a:schemeClr val="accent1"/>
+          </a:lnRef>
+          <a:fillRef idx="0">
+            <a:schemeClr val="accent1"/>
+          </a:fillRef>
+          <a:effectRef idx="1">
+            <a:schemeClr val="accent1"/>
+          </a:effectRef>
+          <a:fontRef idx="minor">
+            <a:schemeClr val="tx1"/>
+          </a:fontRef>
+        </p:style>
+      </p:cxnSp>
     </p:spTree>
     <p:extLst>
       <p:ext uri="{BB962C8B-B14F-4D97-AF65-F5344CB8AC3E}">
-        <p14:creationId xmlns:p14="http://schemas.microsoft.com/office/powerpoint/2010/main" val="2897536889"/>
+        <p14:creationId xmlns:p14="http://schemas.microsoft.com/office/powerpoint/2010/main" val="2755299086"/>
       </p:ext>
     </p:extLst>
   </p:cSld>
@@ -8437,8 +8559,8 @@
         </p:nvSpPr>
         <p:spPr>
           <a:xfrm>
-            <a:off x="1233312" y="2595043"/>
-            <a:ext cx="2521849" cy="783157"/>
+            <a:off x="2779555" y="4417095"/>
+            <a:ext cx="4215352" cy="1221705"/>
           </a:xfrm>
           <a:prstGeom prst="rect">
             <a:avLst/>
@@ -8487,8 +8609,8 @@
         </p:nvCxnSpPr>
         <p:spPr>
           <a:xfrm>
-            <a:off x="2494237" y="3378200"/>
-            <a:ext cx="420309" cy="2195901"/>
+            <a:off x="4887231" y="5638800"/>
+            <a:ext cx="561433" cy="526728"/>
           </a:xfrm>
           <a:prstGeom prst="straightConnector1">
             <a:avLst/>
@@ -8523,8 +8645,8 @@
         </p:nvSpPr>
         <p:spPr>
           <a:xfrm>
-            <a:off x="2914546" y="5574101"/>
-            <a:ext cx="1894989" cy="369332"/>
+            <a:off x="5448664" y="6165528"/>
+            <a:ext cx="3386113" cy="369332"/>
           </a:xfrm>
           <a:prstGeom prst="rect">
             <a:avLst/>
@@ -8537,15 +8659,22 @@
           </a:ln>
         </p:spPr>
         <p:txBody>
-          <a:bodyPr wrap="square" rtlCol="0">
+          <a:bodyPr wrap="none" rtlCol="0">
             <a:spAutoFit/>
           </a:bodyPr>
           <a:lstStyle/>
           <a:p>
-            <a:pPr algn="ctr"/>
+            <a:r>
+              <a:rPr lang="en-US" dirty="0" smtClean="0"/>
+              <a:t>Registration (Facebook via </a:t>
+            </a:r>
             <a:r>
               <a:rPr lang="en-US" dirty="0" err="1" smtClean="0"/>
-              <a:t>Autocompletion</a:t>
+              <a:t>OAuth</a:t>
+            </a:r>
+            <a:r>
+              <a:rPr lang="en-US" dirty="0" smtClean="0"/>
+              <a:t>)</a:t>
             </a:r>
             <a:endParaRPr lang="en-US" dirty="0"/>
           </a:p>
@@ -8575,96 +8704,10 @@
           </a:prstGeom>
         </p:spPr>
       </p:pic>
-      <p:sp>
-        <p:nvSpPr>
-          <p:cNvPr id="12" name="Rectangle 11"/>
-          <p:cNvSpPr/>
-          <p:nvPr/>
-        </p:nvSpPr>
-        <p:spPr>
-          <a:xfrm>
-            <a:off x="4809535" y="2661175"/>
-            <a:ext cx="2521849" cy="783157"/>
-          </a:xfrm>
-          <a:prstGeom prst="rect">
-            <a:avLst/>
-          </a:prstGeom>
-          <a:solidFill>
-            <a:srgbClr val="FF0000">
-              <a:alpha val="0"/>
-            </a:srgbClr>
-          </a:solidFill>
-          <a:ln>
-            <a:solidFill>
-              <a:srgbClr val="FF0000"/>
-            </a:solidFill>
-          </a:ln>
-        </p:spPr>
-        <p:style>
-          <a:lnRef idx="1">
-            <a:schemeClr val="accent1"/>
-          </a:lnRef>
-          <a:fillRef idx="3">
-            <a:schemeClr val="accent1"/>
-          </a:fillRef>
-          <a:effectRef idx="2">
-            <a:schemeClr val="accent1"/>
-          </a:effectRef>
-          <a:fontRef idx="minor">
-            <a:schemeClr val="lt1"/>
-          </a:fontRef>
-        </p:style>
-        <p:txBody>
-          <a:bodyPr rtlCol="0" anchor="ctr"/>
-          <a:lstStyle/>
-          <a:p>
-            <a:pPr algn="ctr"/>
-            <a:endParaRPr lang="en-US"/>
-          </a:p>
-        </p:txBody>
-      </p:sp>
-      <p:cxnSp>
-        <p:nvCxnSpPr>
-          <p:cNvPr id="13" name="Straight Arrow Connector 12"/>
-          <p:cNvCxnSpPr>
-            <a:stCxn id="12" idx="2"/>
-          </p:cNvCxnSpPr>
-          <p:nvPr/>
-        </p:nvCxnSpPr>
-        <p:spPr>
-          <a:xfrm flipH="1">
-            <a:off x="4809535" y="3444332"/>
-            <a:ext cx="1260925" cy="2129769"/>
-          </a:xfrm>
-          <a:prstGeom prst="straightConnector1">
-            <a:avLst/>
-          </a:prstGeom>
-          <a:ln>
-            <a:solidFill>
-              <a:srgbClr val="FF0000"/>
-            </a:solidFill>
-            <a:tailEnd type="arrow"/>
-          </a:ln>
-        </p:spPr>
-        <p:style>
-          <a:lnRef idx="2">
-            <a:schemeClr val="accent1"/>
-          </a:lnRef>
-          <a:fillRef idx="0">
-            <a:schemeClr val="accent1"/>
-          </a:fillRef>
-          <a:effectRef idx="1">
-            <a:schemeClr val="accent1"/>
-          </a:effectRef>
-          <a:fontRef idx="minor">
-            <a:schemeClr val="tx1"/>
-          </a:fontRef>
-        </p:style>
-      </p:cxnSp>
     </p:spTree>
     <p:extLst>
       <p:ext uri="{BB962C8B-B14F-4D97-AF65-F5344CB8AC3E}">
-        <p14:creationId xmlns:p14="http://schemas.microsoft.com/office/powerpoint/2010/main" val="2755299086"/>
+        <p14:creationId xmlns:p14="http://schemas.microsoft.com/office/powerpoint/2010/main" val="1054299295"/>
       </p:ext>
     </p:extLst>
   </p:cSld>
@@ -8698,9 +8741,100 @@
           <a:chExt cx="0" cy="0"/>
         </a:xfrm>
       </p:grpSpPr>
+      <p:sp>
+        <p:nvSpPr>
+          <p:cNvPr id="5" name="Rectangle 4"/>
+          <p:cNvSpPr/>
+          <p:nvPr/>
+        </p:nvSpPr>
+        <p:spPr>
+          <a:xfrm>
+            <a:off x="2779555" y="4417095"/>
+            <a:ext cx="4215352" cy="1221705"/>
+          </a:xfrm>
+          <a:prstGeom prst="rect">
+            <a:avLst/>
+          </a:prstGeom>
+          <a:solidFill>
+            <a:srgbClr val="FF0000">
+              <a:alpha val="0"/>
+            </a:srgbClr>
+          </a:solidFill>
+          <a:ln>
+            <a:solidFill>
+              <a:srgbClr val="FF0000"/>
+            </a:solidFill>
+          </a:ln>
+        </p:spPr>
+        <p:style>
+          <a:lnRef idx="1">
+            <a:schemeClr val="accent1"/>
+          </a:lnRef>
+          <a:fillRef idx="3">
+            <a:schemeClr val="accent1"/>
+          </a:fillRef>
+          <a:effectRef idx="2">
+            <a:schemeClr val="accent1"/>
+          </a:effectRef>
+          <a:fontRef idx="minor">
+            <a:schemeClr val="lt1"/>
+          </a:fontRef>
+        </p:style>
+        <p:txBody>
+          <a:bodyPr rtlCol="0" anchor="ctr"/>
+          <a:lstStyle/>
+          <a:p>
+            <a:pPr algn="ctr"/>
+            <a:endParaRPr lang="en-US"/>
+          </a:p>
+        </p:txBody>
+      </p:sp>
+      <p:sp>
+        <p:nvSpPr>
+          <p:cNvPr id="9" name="TextBox 8"/>
+          <p:cNvSpPr txBox="1"/>
+          <p:nvPr/>
+        </p:nvSpPr>
+        <p:spPr>
+          <a:xfrm>
+            <a:off x="600826" y="6165528"/>
+            <a:ext cx="4357458" cy="369332"/>
+          </a:xfrm>
+          <a:prstGeom prst="rect">
+            <a:avLst/>
+          </a:prstGeom>
+          <a:noFill/>
+          <a:ln>
+            <a:solidFill>
+              <a:schemeClr val="tx1"/>
+            </a:solidFill>
+          </a:ln>
+        </p:spPr>
+        <p:txBody>
+          <a:bodyPr wrap="none" rtlCol="0">
+            <a:spAutoFit/>
+          </a:bodyPr>
+          <a:lstStyle/>
+          <a:p>
+            <a:r>
+              <a:rPr lang="en-US" dirty="0" smtClean="0"/>
+              <a:t>Read and </a:t>
+            </a:r>
+            <a:r>
+              <a:rPr lang="en-US" dirty="0"/>
+              <a:t>u</a:t>
+            </a:r>
+            <a:r>
+              <a:rPr lang="en-US" dirty="0" smtClean="0"/>
+              <a:t>pdate of the user database entity</a:t>
+            </a:r>
+            <a:endParaRPr lang="en-US" dirty="0"/>
+          </a:p>
+        </p:txBody>
+      </p:sp>
       <p:pic>
         <p:nvPicPr>
-          <p:cNvPr id="4" name="Picture 3" descr="start-page.gif"/>
+          <p:cNvPr id="3" name="Picture 2" descr="user-page.gif"/>
           <p:cNvPicPr>
             <a:picLocks noChangeAspect="1"/>
           </p:cNvPicPr>
@@ -8720,8 +8854,8 @@
         </p:blipFill>
         <p:spPr>
           <a:xfrm>
-            <a:off x="1066800" y="1524000"/>
-            <a:ext cx="6997700" cy="3797300"/>
+            <a:off x="209576" y="36810"/>
+            <a:ext cx="7404100" cy="5867400"/>
           </a:xfrm>
           <a:prstGeom prst="rect">
             <a:avLst/>
@@ -8730,100 +8864,14 @@
       </p:pic>
       <p:sp>
         <p:nvSpPr>
-          <p:cNvPr id="5" name="Rectangle 4"/>
-          <p:cNvSpPr/>
-          <p:nvPr/>
-        </p:nvSpPr>
-        <p:spPr>
-          <a:xfrm>
-            <a:off x="2779555" y="4417095"/>
-            <a:ext cx="4215352" cy="1221705"/>
-          </a:xfrm>
-          <a:prstGeom prst="rect">
-            <a:avLst/>
-          </a:prstGeom>
-          <a:solidFill>
-            <a:srgbClr val="FF0000">
-              <a:alpha val="0"/>
-            </a:srgbClr>
-          </a:solidFill>
-          <a:ln>
-            <a:solidFill>
-              <a:srgbClr val="FF0000"/>
-            </a:solidFill>
-          </a:ln>
-        </p:spPr>
-        <p:style>
-          <a:lnRef idx="1">
-            <a:schemeClr val="accent1"/>
-          </a:lnRef>
-          <a:fillRef idx="3">
-            <a:schemeClr val="accent1"/>
-          </a:fillRef>
-          <a:effectRef idx="2">
-            <a:schemeClr val="accent1"/>
-          </a:effectRef>
-          <a:fontRef idx="minor">
-            <a:schemeClr val="lt1"/>
-          </a:fontRef>
-        </p:style>
-        <p:txBody>
-          <a:bodyPr rtlCol="0" anchor="ctr"/>
-          <a:lstStyle/>
-          <a:p>
-            <a:pPr algn="ctr"/>
-            <a:endParaRPr lang="en-US"/>
-          </a:p>
-        </p:txBody>
-      </p:sp>
-      <p:cxnSp>
-        <p:nvCxnSpPr>
-          <p:cNvPr id="7" name="Straight Arrow Connector 6"/>
-          <p:cNvCxnSpPr>
-            <a:stCxn id="5" idx="2"/>
-          </p:cNvCxnSpPr>
-          <p:nvPr/>
-        </p:nvCxnSpPr>
-        <p:spPr>
-          <a:xfrm>
-            <a:off x="4887231" y="5638800"/>
-            <a:ext cx="561433" cy="526728"/>
-          </a:xfrm>
-          <a:prstGeom prst="straightConnector1">
-            <a:avLst/>
-          </a:prstGeom>
-          <a:ln>
-            <a:solidFill>
-              <a:srgbClr val="FF0000"/>
-            </a:solidFill>
-            <a:tailEnd type="arrow"/>
-          </a:ln>
-        </p:spPr>
-        <p:style>
-          <a:lnRef idx="2">
-            <a:schemeClr val="accent1"/>
-          </a:lnRef>
-          <a:fillRef idx="0">
-            <a:schemeClr val="accent1"/>
-          </a:fillRef>
-          <a:effectRef idx="1">
-            <a:schemeClr val="accent1"/>
-          </a:effectRef>
-          <a:fontRef idx="minor">
-            <a:schemeClr val="tx1"/>
-          </a:fontRef>
-        </p:style>
-      </p:cxnSp>
-      <p:sp>
-        <p:nvSpPr>
-          <p:cNvPr id="9" name="TextBox 8"/>
+          <p:cNvPr id="20" name="TextBox 19"/>
           <p:cNvSpPr txBox="1"/>
           <p:nvPr/>
         </p:nvSpPr>
         <p:spPr>
           <a:xfrm>
-            <a:off x="5448664" y="6165528"/>
-            <a:ext cx="3386113" cy="369332"/>
+            <a:off x="5434947" y="6170691"/>
+            <a:ext cx="3511171" cy="369332"/>
           </a:xfrm>
           <a:prstGeom prst="rect">
             <a:avLst/>
@@ -8836,55 +8884,27 @@
           </a:ln>
         </p:spPr>
         <p:txBody>
-          <a:bodyPr wrap="none" rtlCol="0">
+          <a:bodyPr wrap="square" rtlCol="0">
             <a:spAutoFit/>
           </a:bodyPr>
           <a:lstStyle/>
           <a:p>
             <a:r>
               <a:rPr lang="en-US" dirty="0" smtClean="0"/>
-              <a:t>Registration (Facebook via </a:t>
+              <a:t>URL: /user/</a:t>
             </a:r>
             <a:r>
               <a:rPr lang="en-US" dirty="0" err="1" smtClean="0"/>
-              <a:t>OAuth</a:t>
-            </a:r>
-            <a:r>
-              <a:rPr lang="en-US" dirty="0" smtClean="0"/>
-              <a:t>)</a:t>
+              <a:t>p_p_pereboom</a:t>
             </a:r>
             <a:endParaRPr lang="en-US" dirty="0"/>
           </a:p>
         </p:txBody>
       </p:sp>
-      <p:pic>
-        <p:nvPicPr>
-          <p:cNvPr id="10" name="Picture 9"/>
-          <p:cNvPicPr>
-            <a:picLocks noChangeAspect="1"/>
-          </p:cNvPicPr>
-          <p:nvPr/>
-        </p:nvPicPr>
-        <p:blipFill>
-          <a:blip r:embed="rId3"/>
-          <a:stretch>
-            <a:fillRect/>
-          </a:stretch>
-        </p:blipFill>
-        <p:spPr>
-          <a:xfrm>
-            <a:off x="4191000" y="3378200"/>
-            <a:ext cx="749300" cy="88900"/>
-          </a:xfrm>
-          <a:prstGeom prst="rect">
-            <a:avLst/>
-          </a:prstGeom>
-        </p:spPr>
-      </p:pic>
     </p:spTree>
     <p:extLst>
       <p:ext uri="{BB962C8B-B14F-4D97-AF65-F5344CB8AC3E}">
-        <p14:creationId xmlns:p14="http://schemas.microsoft.com/office/powerpoint/2010/main" val="1054299295"/>
+        <p14:creationId xmlns:p14="http://schemas.microsoft.com/office/powerpoint/2010/main" val="2462474452"/>
       </p:ext>
     </p:extLst>
   </p:cSld>
@@ -8966,49 +8986,6 @@
           </a:p>
         </p:txBody>
       </p:sp>
-      <p:sp>
-        <p:nvSpPr>
-          <p:cNvPr id="9" name="TextBox 8"/>
-          <p:cNvSpPr txBox="1"/>
-          <p:nvPr/>
-        </p:nvSpPr>
-        <p:spPr>
-          <a:xfrm>
-            <a:off x="600826" y="6165528"/>
-            <a:ext cx="4357458" cy="369332"/>
-          </a:xfrm>
-          <a:prstGeom prst="rect">
-            <a:avLst/>
-          </a:prstGeom>
-          <a:noFill/>
-          <a:ln>
-            <a:solidFill>
-              <a:schemeClr val="tx1"/>
-            </a:solidFill>
-          </a:ln>
-        </p:spPr>
-        <p:txBody>
-          <a:bodyPr wrap="none" rtlCol="0">
-            <a:spAutoFit/>
-          </a:bodyPr>
-          <a:lstStyle/>
-          <a:p>
-            <a:r>
-              <a:rPr lang="en-US" dirty="0" smtClean="0"/>
-              <a:t>Read and </a:t>
-            </a:r>
-            <a:r>
-              <a:rPr lang="en-US" dirty="0"/>
-              <a:t>u</a:t>
-            </a:r>
-            <a:r>
-              <a:rPr lang="en-US" dirty="0" smtClean="0"/>
-              <a:t>pdate of the user database entity</a:t>
-            </a:r>
-            <a:endParaRPr lang="en-US" dirty="0"/>
-          </a:p>
-        </p:txBody>
-      </p:sp>
       <p:pic>
         <p:nvPicPr>
           <p:cNvPr id="3" name="Picture 2" descr="user-page.gif"/>
@@ -9041,14 +9018,101 @@
       </p:pic>
       <p:sp>
         <p:nvSpPr>
-          <p:cNvPr id="20" name="TextBox 19"/>
+          <p:cNvPr id="11" name="Rectangle 10"/>
+          <p:cNvSpPr/>
+          <p:nvPr/>
+        </p:nvSpPr>
+        <p:spPr>
+          <a:xfrm>
+            <a:off x="1711911" y="184046"/>
+            <a:ext cx="5901765" cy="791396"/>
+          </a:xfrm>
+          <a:prstGeom prst="rect">
+            <a:avLst/>
+          </a:prstGeom>
+          <a:solidFill>
+            <a:srgbClr val="FF0000">
+              <a:alpha val="0"/>
+            </a:srgbClr>
+          </a:solidFill>
+          <a:ln>
+            <a:solidFill>
+              <a:srgbClr val="FF0000"/>
+            </a:solidFill>
+          </a:ln>
+        </p:spPr>
+        <p:style>
+          <a:lnRef idx="1">
+            <a:schemeClr val="accent1"/>
+          </a:lnRef>
+          <a:fillRef idx="3">
+            <a:schemeClr val="accent1"/>
+          </a:fillRef>
+          <a:effectRef idx="2">
+            <a:schemeClr val="accent1"/>
+          </a:effectRef>
+          <a:fontRef idx="minor">
+            <a:schemeClr val="lt1"/>
+          </a:fontRef>
+        </p:style>
+        <p:txBody>
+          <a:bodyPr rtlCol="0" anchor="ctr"/>
+          <a:lstStyle/>
+          <a:p>
+            <a:pPr algn="ctr"/>
+            <a:endParaRPr lang="en-US"/>
+          </a:p>
+        </p:txBody>
+      </p:sp>
+      <p:cxnSp>
+        <p:nvCxnSpPr>
+          <p:cNvPr id="12" name="Straight Arrow Connector 11"/>
+          <p:cNvCxnSpPr>
+            <a:stCxn id="11" idx="2"/>
+            <a:endCxn id="13" idx="1"/>
+          </p:cNvCxnSpPr>
+          <p:nvPr/>
+        </p:nvCxnSpPr>
+        <p:spPr>
+          <a:xfrm>
+            <a:off x="4662794" y="975442"/>
+            <a:ext cx="2718674" cy="700924"/>
+          </a:xfrm>
+          <a:prstGeom prst="straightConnector1">
+            <a:avLst/>
+          </a:prstGeom>
+          <a:ln>
+            <a:solidFill>
+              <a:srgbClr val="FF0000"/>
+            </a:solidFill>
+            <a:tailEnd type="arrow"/>
+          </a:ln>
+        </p:spPr>
+        <p:style>
+          <a:lnRef idx="2">
+            <a:schemeClr val="accent1"/>
+          </a:lnRef>
+          <a:fillRef idx="0">
+            <a:schemeClr val="accent1"/>
+          </a:fillRef>
+          <a:effectRef idx="1">
+            <a:schemeClr val="accent1"/>
+          </a:effectRef>
+          <a:fontRef idx="minor">
+            <a:schemeClr val="tx1"/>
+          </a:fontRef>
+        </p:style>
+      </p:cxnSp>
+      <p:sp>
+        <p:nvSpPr>
+          <p:cNvPr id="13" name="TextBox 12"/>
           <p:cNvSpPr txBox="1"/>
           <p:nvPr/>
         </p:nvSpPr>
         <p:spPr>
           <a:xfrm>
-            <a:off x="5434947" y="6170691"/>
-            <a:ext cx="3511171" cy="369332"/>
+            <a:off x="7381468" y="1214701"/>
+            <a:ext cx="1762532" cy="923330"/>
           </a:xfrm>
           <a:prstGeom prst="rect">
             <a:avLst/>
@@ -9068,20 +9132,20 @@
           <a:p>
             <a:r>
               <a:rPr lang="en-US" dirty="0" smtClean="0"/>
-              <a:t>URL: /user/</a:t>
+              <a:t>Location sharing via HTML5 </a:t>
             </a:r>
             <a:r>
               <a:rPr lang="en-US" dirty="0" err="1" smtClean="0"/>
-              <a:t>p_p_pereboom</a:t>
-            </a:r>
-            <a:endParaRPr lang="en-US" dirty="0"/>
+              <a:t>geolocation</a:t>
+            </a:r>
+            <a:endParaRPr lang="en-US" dirty="0" smtClean="0"/>
           </a:p>
         </p:txBody>
       </p:sp>
     </p:spTree>
     <p:extLst>
       <p:ext uri="{BB962C8B-B14F-4D97-AF65-F5344CB8AC3E}">
-        <p14:creationId xmlns:p14="http://schemas.microsoft.com/office/powerpoint/2010/main" val="2462474452"/>
+        <p14:creationId xmlns:p14="http://schemas.microsoft.com/office/powerpoint/2010/main" val="2397048445"/>
       </p:ext>
     </p:extLst>
   </p:cSld>
@@ -9201,8 +9265,8 @@
         </p:nvSpPr>
         <p:spPr>
           <a:xfrm>
-            <a:off x="1711911" y="184046"/>
-            <a:ext cx="5901765" cy="791396"/>
+            <a:off x="6092932" y="4251455"/>
+            <a:ext cx="901975" cy="368091"/>
           </a:xfrm>
           <a:prstGeom prst="rect">
             <a:avLst/>
@@ -9252,8 +9316,8 @@
         </p:nvCxnSpPr>
         <p:spPr>
           <a:xfrm>
-            <a:off x="4662794" y="975442"/>
-            <a:ext cx="2718674" cy="700924"/>
+            <a:off x="6543920" y="4619546"/>
+            <a:ext cx="450986" cy="1738489"/>
           </a:xfrm>
           <a:prstGeom prst="straightConnector1">
             <a:avLst/>
@@ -9288,8 +9352,8 @@
         </p:nvSpPr>
         <p:spPr>
           <a:xfrm>
-            <a:off x="7381468" y="1214701"/>
-            <a:ext cx="1762532" cy="923330"/>
+            <a:off x="6994906" y="6165528"/>
+            <a:ext cx="1914395" cy="646331"/>
           </a:xfrm>
           <a:prstGeom prst="rect">
             <a:avLst/>
@@ -9309,20 +9373,21 @@
           <a:p>
             <a:r>
               <a:rPr lang="en-US" dirty="0" smtClean="0"/>
-              <a:t>Location sharing via HTML5 </a:t>
-            </a:r>
-            <a:r>
-              <a:rPr lang="en-US" dirty="0" err="1" smtClean="0"/>
-              <a:t>geolocation</a:t>
-            </a:r>
-            <a:endParaRPr lang="en-US" dirty="0" smtClean="0"/>
+              <a:t>Validation </a:t>
+            </a:r>
+          </a:p>
+          <a:p>
+            <a:r>
+              <a:rPr lang="en-US" dirty="0" smtClean="0"/>
+              <a:t>(client/server)</a:t>
+            </a:r>
           </a:p>
         </p:txBody>
       </p:sp>
     </p:spTree>
     <p:extLst>
       <p:ext uri="{BB962C8B-B14F-4D97-AF65-F5344CB8AC3E}">
-        <p14:creationId xmlns:p14="http://schemas.microsoft.com/office/powerpoint/2010/main" val="2397048445"/>
+        <p14:creationId xmlns:p14="http://schemas.microsoft.com/office/powerpoint/2010/main" val="2516000082"/>
       </p:ext>
     </p:extLst>
   </p:cSld>
@@ -9356,61 +9421,15 @@
           <a:chExt cx="0" cy="0"/>
         </a:xfrm>
       </p:grpSpPr>
-      <p:sp>
-        <p:nvSpPr>
-          <p:cNvPr id="5" name="Rectangle 4"/>
-          <p:cNvSpPr/>
-          <p:nvPr/>
-        </p:nvSpPr>
-        <p:spPr>
-          <a:xfrm>
-            <a:off x="2779555" y="4417095"/>
-            <a:ext cx="4215352" cy="1221705"/>
-          </a:xfrm>
-          <a:prstGeom prst="rect">
-            <a:avLst/>
-          </a:prstGeom>
-          <a:solidFill>
-            <a:srgbClr val="FF0000">
-              <a:alpha val="0"/>
-            </a:srgbClr>
-          </a:solidFill>
-          <a:ln>
-            <a:solidFill>
-              <a:srgbClr val="FF0000"/>
-            </a:solidFill>
-          </a:ln>
-        </p:spPr>
-        <p:style>
-          <a:lnRef idx="1">
-            <a:schemeClr val="accent1"/>
-          </a:lnRef>
-          <a:fillRef idx="3">
-            <a:schemeClr val="accent1"/>
-          </a:fillRef>
-          <a:effectRef idx="2">
-            <a:schemeClr val="accent1"/>
-          </a:effectRef>
-          <a:fontRef idx="minor">
-            <a:schemeClr val="lt1"/>
-          </a:fontRef>
-        </p:style>
-        <p:txBody>
-          <a:bodyPr rtlCol="0" anchor="ctr"/>
-          <a:lstStyle/>
-          <a:p>
-            <a:pPr algn="ctr"/>
-            <a:endParaRPr lang="en-US"/>
-          </a:p>
-        </p:txBody>
-      </p:sp>
       <p:pic>
         <p:nvPicPr>
-          <p:cNvPr id="3" name="Picture 2" descr="user-page.gif"/>
+          <p:cNvPr id="12" name="Content Placeholder 11" descr="select-beer-page.gif"/>
           <p:cNvPicPr>
-            <a:picLocks noChangeAspect="1"/>
+            <a:picLocks noGrp="1" noChangeAspect="1"/>
           </p:cNvPicPr>
-          <p:nvPr/>
+          <p:nvPr>
+            <p:ph idx="1"/>
+          </p:nvPr>
         </p:nvPicPr>
         <p:blipFill>
           <a:blip r:embed="rId2">
@@ -9420,117 +9439,23 @@
               </a:ext>
             </a:extLst>
           </a:blip>
+          <a:srcRect l="2635" r="2635"/>
           <a:stretch>
             <a:fillRect/>
           </a:stretch>
         </p:blipFill>
-        <p:spPr>
-          <a:xfrm>
-            <a:off x="209576" y="36810"/>
-            <a:ext cx="7404100" cy="5867400"/>
-          </a:xfrm>
-          <a:prstGeom prst="rect">
-            <a:avLst/>
-          </a:prstGeom>
-        </p:spPr>
+        <p:spPr/>
       </p:pic>
       <p:sp>
         <p:nvSpPr>
-          <p:cNvPr id="11" name="Rectangle 10"/>
-          <p:cNvSpPr/>
-          <p:nvPr/>
-        </p:nvSpPr>
-        <p:spPr>
-          <a:xfrm>
-            <a:off x="6092932" y="4251455"/>
-            <a:ext cx="901975" cy="368091"/>
-          </a:xfrm>
-          <a:prstGeom prst="rect">
-            <a:avLst/>
-          </a:prstGeom>
-          <a:solidFill>
-            <a:srgbClr val="FF0000">
-              <a:alpha val="0"/>
-            </a:srgbClr>
-          </a:solidFill>
-          <a:ln>
-            <a:solidFill>
-              <a:srgbClr val="FF0000"/>
-            </a:solidFill>
-          </a:ln>
-        </p:spPr>
-        <p:style>
-          <a:lnRef idx="1">
-            <a:schemeClr val="accent1"/>
-          </a:lnRef>
-          <a:fillRef idx="3">
-            <a:schemeClr val="accent1"/>
-          </a:fillRef>
-          <a:effectRef idx="2">
-            <a:schemeClr val="accent1"/>
-          </a:effectRef>
-          <a:fontRef idx="minor">
-            <a:schemeClr val="lt1"/>
-          </a:fontRef>
-        </p:style>
-        <p:txBody>
-          <a:bodyPr rtlCol="0" anchor="ctr"/>
-          <a:lstStyle/>
-          <a:p>
-            <a:pPr algn="ctr"/>
-            <a:endParaRPr lang="en-US"/>
-          </a:p>
-        </p:txBody>
-      </p:sp>
-      <p:cxnSp>
-        <p:nvCxnSpPr>
-          <p:cNvPr id="12" name="Straight Arrow Connector 11"/>
-          <p:cNvCxnSpPr>
-            <a:stCxn id="11" idx="2"/>
-            <a:endCxn id="13" idx="1"/>
-          </p:cNvCxnSpPr>
-          <p:nvPr/>
-        </p:nvCxnSpPr>
-        <p:spPr>
-          <a:xfrm>
-            <a:off x="6543920" y="4619546"/>
-            <a:ext cx="450986" cy="1738489"/>
-          </a:xfrm>
-          <a:prstGeom prst="straightConnector1">
-            <a:avLst/>
-          </a:prstGeom>
-          <a:ln>
-            <a:solidFill>
-              <a:srgbClr val="FF0000"/>
-            </a:solidFill>
-            <a:tailEnd type="arrow"/>
-          </a:ln>
-        </p:spPr>
-        <p:style>
-          <a:lnRef idx="2">
-            <a:schemeClr val="accent1"/>
-          </a:lnRef>
-          <a:fillRef idx="0">
-            <a:schemeClr val="accent1"/>
-          </a:fillRef>
-          <a:effectRef idx="1">
-            <a:schemeClr val="accent1"/>
-          </a:effectRef>
-          <a:fontRef idx="minor">
-            <a:schemeClr val="tx1"/>
-          </a:fontRef>
-        </p:style>
-      </p:cxnSp>
-      <p:sp>
-        <p:nvSpPr>
-          <p:cNvPr id="13" name="TextBox 12"/>
+          <p:cNvPr id="16" name="TextBox 15"/>
           <p:cNvSpPr txBox="1"/>
           <p:nvPr/>
         </p:nvSpPr>
         <p:spPr>
           <a:xfrm>
-            <a:off x="6994906" y="6165528"/>
-            <a:ext cx="1914395" cy="646331"/>
+            <a:off x="699492" y="6350194"/>
+            <a:ext cx="2650702" cy="369332"/>
           </a:xfrm>
           <a:prstGeom prst="rect">
             <a:avLst/>
@@ -9550,21 +9475,16 @@
           <a:p>
             <a:r>
               <a:rPr lang="en-US" dirty="0" smtClean="0"/>
-              <a:t>Validation </a:t>
-            </a:r>
-          </a:p>
-          <a:p>
-            <a:r>
-              <a:rPr lang="en-US" dirty="0" smtClean="0"/>
-              <a:t>(client/server)</a:t>
-            </a:r>
+              <a:t>URL: /beers/</a:t>
+            </a:r>
+            <a:endParaRPr lang="en-US" dirty="0"/>
           </a:p>
         </p:txBody>
       </p:sp>
     </p:spTree>
     <p:extLst>
       <p:ext uri="{BB962C8B-B14F-4D97-AF65-F5344CB8AC3E}">
-        <p14:creationId xmlns:p14="http://schemas.microsoft.com/office/powerpoint/2010/main" val="2516000082"/>
+        <p14:creationId xmlns:p14="http://schemas.microsoft.com/office/powerpoint/2010/main" val="3941878591"/>
       </p:ext>
     </p:extLst>
   </p:cSld>

--- a/doc/deliverables/presentation-1/WISPresentatie.pptx
+++ b/doc/deliverables/presentation-1/WISPresentatie.pptx
@@ -321,7 +321,7 @@
           <a:p>
             <a:fld id="{28248A6C-F0F6-8E4E-9402-11ED4EAC1000}" type="datetimeFigureOut">
               <a:rPr lang="en-US" smtClean="0"/>
-              <a:t>28/10/13</a:t>
+              <a:t>29/10/13</a:t>
             </a:fld>
             <a:endParaRPr lang="en-US"/>
           </a:p>
@@ -491,7 +491,7 @@
           <a:p>
             <a:fld id="{28248A6C-F0F6-8E4E-9402-11ED4EAC1000}" type="datetimeFigureOut">
               <a:rPr lang="en-US" smtClean="0"/>
-              <a:t>28/10/13</a:t>
+              <a:t>29/10/13</a:t>
             </a:fld>
             <a:endParaRPr lang="en-US"/>
           </a:p>
@@ -671,7 +671,7 @@
           <a:p>
             <a:fld id="{28248A6C-F0F6-8E4E-9402-11ED4EAC1000}" type="datetimeFigureOut">
               <a:rPr lang="en-US" smtClean="0"/>
-              <a:t>28/10/13</a:t>
+              <a:t>29/10/13</a:t>
             </a:fld>
             <a:endParaRPr lang="en-US"/>
           </a:p>
@@ -841,7 +841,7 @@
           <a:p>
             <a:fld id="{28248A6C-F0F6-8E4E-9402-11ED4EAC1000}" type="datetimeFigureOut">
               <a:rPr lang="en-US" smtClean="0"/>
-              <a:t>28/10/13</a:t>
+              <a:t>29/10/13</a:t>
             </a:fld>
             <a:endParaRPr lang="en-US"/>
           </a:p>
@@ -1087,7 +1087,7 @@
           <a:p>
             <a:fld id="{28248A6C-F0F6-8E4E-9402-11ED4EAC1000}" type="datetimeFigureOut">
               <a:rPr lang="en-US" smtClean="0"/>
-              <a:t>28/10/13</a:t>
+              <a:t>29/10/13</a:t>
             </a:fld>
             <a:endParaRPr lang="en-US"/>
           </a:p>
@@ -1375,7 +1375,7 @@
           <a:p>
             <a:fld id="{28248A6C-F0F6-8E4E-9402-11ED4EAC1000}" type="datetimeFigureOut">
               <a:rPr lang="en-US" smtClean="0"/>
-              <a:t>28/10/13</a:t>
+              <a:t>29/10/13</a:t>
             </a:fld>
             <a:endParaRPr lang="en-US"/>
           </a:p>
@@ -1797,7 +1797,7 @@
           <a:p>
             <a:fld id="{28248A6C-F0F6-8E4E-9402-11ED4EAC1000}" type="datetimeFigureOut">
               <a:rPr lang="en-US" smtClean="0"/>
-              <a:t>28/10/13</a:t>
+              <a:t>29/10/13</a:t>
             </a:fld>
             <a:endParaRPr lang="en-US"/>
           </a:p>
@@ -1915,7 +1915,7 @@
           <a:p>
             <a:fld id="{28248A6C-F0F6-8E4E-9402-11ED4EAC1000}" type="datetimeFigureOut">
               <a:rPr lang="en-US" smtClean="0"/>
-              <a:t>28/10/13</a:t>
+              <a:t>29/10/13</a:t>
             </a:fld>
             <a:endParaRPr lang="en-US"/>
           </a:p>
@@ -2010,7 +2010,7 @@
           <a:p>
             <a:fld id="{28248A6C-F0F6-8E4E-9402-11ED4EAC1000}" type="datetimeFigureOut">
               <a:rPr lang="en-US" smtClean="0"/>
-              <a:t>28/10/13</a:t>
+              <a:t>29/10/13</a:t>
             </a:fld>
             <a:endParaRPr lang="en-US"/>
           </a:p>
@@ -2287,7 +2287,7 @@
           <a:p>
             <a:fld id="{28248A6C-F0F6-8E4E-9402-11ED4EAC1000}" type="datetimeFigureOut">
               <a:rPr lang="en-US" smtClean="0"/>
-              <a:t>28/10/13</a:t>
+              <a:t>29/10/13</a:t>
             </a:fld>
             <a:endParaRPr lang="en-US"/>
           </a:p>
@@ -2540,7 +2540,7 @@
           <a:p>
             <a:fld id="{28248A6C-F0F6-8E4E-9402-11ED4EAC1000}" type="datetimeFigureOut">
               <a:rPr lang="en-US" smtClean="0"/>
-              <a:t>28/10/13</a:t>
+              <a:t>29/10/13</a:t>
             </a:fld>
             <a:endParaRPr lang="en-US"/>
           </a:p>
@@ -2753,7 +2753,7 @@
           <a:p>
             <a:fld id="{28248A6C-F0F6-8E4E-9402-11ED4EAC1000}" type="datetimeFigureOut">
               <a:rPr lang="en-US" smtClean="0"/>
-              <a:t>28/10/13</a:t>
+              <a:t>29/10/13</a:t>
             </a:fld>
             <a:endParaRPr lang="en-US"/>
           </a:p>
@@ -5446,9 +5446,10 @@
               <a:t>b</a:t>
             </a:r>
             <a:r>
-              <a:rPr lang="en-US" sz="2600" dirty="0" smtClean="0"/>
+              <a:rPr lang="en-US" sz="2600" smtClean="0"/>
               <a:t>eer</a:t>
             </a:r>
+            <a:endParaRPr lang="en-US" sz="2600" dirty="0" smtClean="0"/>
           </a:p>
           <a:p>
             <a:pPr marL="285750" indent="-285750">
@@ -5457,7 +5458,7 @@
             </a:pPr>
             <a:r>
               <a:rPr lang="en-US" sz="2600" dirty="0"/>
-              <a:t>r</a:t>
+              <a:t>t</a:t>
             </a:r>
             <a:r>
               <a:rPr lang="en-US" sz="2600" dirty="0" smtClean="0"/>
@@ -6194,7 +6195,7 @@
         <p:spPr>
           <a:xfrm>
             <a:off x="697808" y="5796196"/>
-            <a:ext cx="4357458" cy="369332"/>
+            <a:ext cx="4262893" cy="369332"/>
           </a:xfrm>
           <a:prstGeom prst="rect">
             <a:avLst/>
@@ -6222,7 +6223,15 @@
             </a:r>
             <a:r>
               <a:rPr lang="en-US" dirty="0" smtClean="0"/>
-              <a:t>pdate of the user database entity</a:t>
+              <a:t>pdate of </a:t>
+            </a:r>
+            <a:r>
+              <a:rPr lang="en-US" smtClean="0"/>
+              <a:t>the bar database </a:t>
+            </a:r>
+            <a:r>
+              <a:rPr lang="en-US" dirty="0" smtClean="0"/>
+              <a:t>entity</a:t>
             </a:r>
             <a:endParaRPr lang="en-US" dirty="0"/>
           </a:p>
@@ -7933,7 +7942,9 @@
         </p:nvSpPr>
         <p:spPr/>
         <p:txBody>
-          <a:bodyPr/>
+          <a:bodyPr>
+            <a:normAutofit fontScale="92500" lnSpcReduction="20000"/>
+          </a:bodyPr>
           <a:lstStyle/>
           <a:p>
             <a:r>
@@ -7958,8 +7969,34 @@
             <a:pPr lvl="1"/>
             <a:r>
               <a:rPr lang="en-US" sz="2200" dirty="0" smtClean="0"/>
-              <a:t>AJAX-enabled Java web application development library</a:t>
-            </a:r>
+              <a:t>AJAX-enabled Java web application development </a:t>
+            </a:r>
+            <a:r>
+              <a:rPr lang="en-US" sz="2200" dirty="0" smtClean="0"/>
+              <a:t>library</a:t>
+            </a:r>
+          </a:p>
+          <a:p>
+            <a:pPr lvl="1"/>
+            <a:r>
+              <a:rPr lang="en-US" sz="2200" dirty="0" smtClean="0"/>
+              <a:t>Single Page Application</a:t>
+            </a:r>
+          </a:p>
+          <a:p>
+            <a:pPr lvl="1"/>
+            <a:r>
+              <a:rPr lang="en-US" sz="2200" dirty="0" smtClean="0"/>
+              <a:t>SEO friendly</a:t>
+            </a:r>
+          </a:p>
+          <a:p>
+            <a:pPr lvl="1"/>
+            <a:r>
+              <a:rPr lang="en-US" sz="2200" smtClean="0"/>
+              <a:t>Bootstrap</a:t>
+            </a:r>
+            <a:endParaRPr lang="en-US" sz="2200" dirty="0" smtClean="0"/>
           </a:p>
           <a:p>
             <a:pPr lvl="1"/>
